--- a/Dokumente/Projektpräsentation.pptx
+++ b/Dokumente/Projektpräsentation.pptx
@@ -5,15 +5,19 @@
     <p:sldMasterId id="2147483697" r:id="rId1"/>
   </p:sldMasterIdLst>
   <p:notesMasterIdLst>
-    <p:notesMasterId r:id="rId8"/>
+    <p:notesMasterId r:id="rId12"/>
   </p:notesMasterIdLst>
   <p:sldIdLst>
     <p:sldId id="256" r:id="rId2"/>
     <p:sldId id="261" r:id="rId3"/>
     <p:sldId id="262" r:id="rId4"/>
     <p:sldId id="263" r:id="rId5"/>
-    <p:sldId id="264" r:id="rId6"/>
-    <p:sldId id="265" r:id="rId7"/>
+    <p:sldId id="269" r:id="rId6"/>
+    <p:sldId id="264" r:id="rId7"/>
+    <p:sldId id="265" r:id="rId8"/>
+    <p:sldId id="266" r:id="rId9"/>
+    <p:sldId id="267" r:id="rId10"/>
+    <p:sldId id="268" r:id="rId11"/>
   </p:sldIdLst>
   <p:sldSz cx="12192000" cy="6858000"/>
   <p:notesSz cx="6858000" cy="9144000"/>
@@ -112,6 +116,14 @@
       </a:defRPr>
     </a:lvl9pPr>
   </p:defaultTextStyle>
+  <p:extLst>
+    <p:ext uri="{EFAFB233-063F-42B5-8137-9DF3F51BA10A}">
+      <p15:sldGuideLst xmlns:p15="http://schemas.microsoft.com/office/powerpoint/2012/main"/>
+    </p:ext>
+    <p:ext uri="{2D200454-40CA-4A62-9FC3-DE9A4176ACB9}">
+      <p15:notesGuideLst xmlns:p15="http://schemas.microsoft.com/office/powerpoint/2012/main"/>
+    </p:ext>
+  </p:extLst>
 </p:presentation>
 </file>
 
@@ -197,7 +209,7 @@
           <a:p>
             <a:fld id="{ADC25E09-F36A-47D9-8824-C6FCF888BB52}" type="datetimeFigureOut">
               <a:rPr lang="de-DE" smtClean="0"/>
-              <a:t>21.08.2023</a:t>
+              <a:t>22.08.2023</a:t>
             </a:fld>
             <a:endParaRPr lang="de-DE"/>
           </a:p>
@@ -821,9 +833,9 @@
           <a:bodyPr/>
           <a:lstStyle/>
           <a:p>
-            <a:fld id="{6C8BAB4A-65F5-4218-B4B4-EBB0479A7817}" type="datetime1">
+            <a:fld id="{54F4F25A-280B-48AD-B7B8-05BAB8B72AF9}" type="datetime1">
               <a:rPr lang="de-DE" smtClean="0"/>
-              <a:t>21.08.2023</a:t>
+              <a:t>22.08.2023</a:t>
             </a:fld>
             <a:endParaRPr lang="de-DE"/>
           </a:p>
@@ -846,7 +858,7 @@
           <a:p>
             <a:r>
               <a:rPr lang="de-DE"/>
-              <a:t>Denis Ojdanic</a:t>
+              <a:t>Entwicklung eines 2D – „Schiffe versenken“ Spiels zur Simulation einer Seeschlacht von Denis Ojdanic</a:t>
             </a:r>
           </a:p>
         </p:txBody>
@@ -1139,9 +1151,9 @@
           <a:bodyPr/>
           <a:lstStyle/>
           <a:p>
-            <a:fld id="{A1F9A61A-910F-4432-91D6-6D02C1827C9E}" type="datetime1">
+            <a:fld id="{7A2BC273-7793-4B58-83B9-897B715A6B65}" type="datetime1">
               <a:rPr lang="de-DE" smtClean="0"/>
-              <a:t>21.08.2023</a:t>
+              <a:t>22.08.2023</a:t>
             </a:fld>
             <a:endParaRPr lang="de-DE"/>
           </a:p>
@@ -1164,7 +1176,7 @@
           <a:p>
             <a:r>
               <a:rPr lang="de-DE"/>
-              <a:t>Denis Ojdanic</a:t>
+              <a:t>Entwicklung eines 2D – „Schiffe versenken“ Spiels zur Simulation einer Seeschlacht von Denis Ojdanic</a:t>
             </a:r>
           </a:p>
         </p:txBody>
@@ -1364,9 +1376,9 @@
           <a:bodyPr/>
           <a:lstStyle/>
           <a:p>
-            <a:fld id="{978C0A18-C6EE-4D73-8D6C-F2ED6DF5EE15}" type="datetime1">
+            <a:fld id="{96306E31-9C14-4B17-8239-630325395DEF}" type="datetime1">
               <a:rPr lang="de-DE" smtClean="0"/>
-              <a:t>21.08.2023</a:t>
+              <a:t>22.08.2023</a:t>
             </a:fld>
             <a:endParaRPr lang="de-DE"/>
           </a:p>
@@ -1389,7 +1401,7 @@
           <a:p>
             <a:r>
               <a:rPr lang="de-DE"/>
-              <a:t>Denis Ojdanic</a:t>
+              <a:t>Entwicklung eines 2D – „Schiffe versenken“ Spiels zur Simulation einer Seeschlacht von Denis Ojdanic</a:t>
             </a:r>
           </a:p>
         </p:txBody>
@@ -1658,9 +1670,9 @@
           <a:bodyPr/>
           <a:lstStyle/>
           <a:p>
-            <a:fld id="{CCEBB189-CEA8-449F-9CED-56B1B1D626F7}" type="datetime1">
+            <a:fld id="{4E2A68E7-D889-4A43-AA85-3F75FD767A8E}" type="datetime1">
               <a:rPr lang="de-DE" smtClean="0"/>
-              <a:t>21.08.2023</a:t>
+              <a:t>22.08.2023</a:t>
             </a:fld>
             <a:endParaRPr lang="de-DE"/>
           </a:p>
@@ -1683,7 +1695,7 @@
           <a:p>
             <a:r>
               <a:rPr lang="de-DE"/>
-              <a:t>Denis Ojdanic</a:t>
+              <a:t>Entwicklung eines 2D – „Schiffe versenken“ Spiels zur Simulation einer Seeschlacht von Denis Ojdanic</a:t>
             </a:r>
           </a:p>
         </p:txBody>
@@ -2115,9 +2127,9 @@
           <a:bodyPr/>
           <a:lstStyle/>
           <a:p>
-            <a:fld id="{A86B8CCC-6BB1-47FB-BD4D-A6DB5DD321AA}" type="datetime1">
+            <a:fld id="{A04A8BC3-42D6-4801-A46C-3EF1D350210E}" type="datetime1">
               <a:rPr lang="de-DE" smtClean="0"/>
-              <a:t>21.08.2023</a:t>
+              <a:t>22.08.2023</a:t>
             </a:fld>
             <a:endParaRPr lang="de-DE"/>
           </a:p>
@@ -2140,7 +2152,7 @@
           <a:p>
             <a:r>
               <a:rPr lang="de-DE"/>
-              <a:t>Denis Ojdanic</a:t>
+              <a:t>Entwicklung eines 2D – „Schiffe versenken“ Spiels zur Simulation einer Seeschlacht von Denis Ojdanic</a:t>
             </a:r>
           </a:p>
         </p:txBody>
@@ -2694,9 +2706,9 @@
           <a:bodyPr/>
           <a:lstStyle/>
           <a:p>
-            <a:fld id="{DE865733-03AE-4FC7-BA5B-2BDB3FDF9BDA}" type="datetime1">
+            <a:fld id="{8F3964FB-FE9F-4390-922E-BC8A153C729E}" type="datetime1">
               <a:rPr lang="de-DE" smtClean="0"/>
-              <a:t>21.08.2023</a:t>
+              <a:t>22.08.2023</a:t>
             </a:fld>
             <a:endParaRPr lang="de-DE"/>
           </a:p>
@@ -2719,7 +2731,7 @@
           <a:p>
             <a:r>
               <a:rPr lang="de-DE"/>
-              <a:t>Denis Ojdanic</a:t>
+              <a:t>Entwicklung eines 2D – „Schiffe versenken“ Spiels zur Simulation einer Seeschlacht von Denis Ojdanic</a:t>
             </a:r>
           </a:p>
         </p:txBody>
@@ -3558,9 +3570,9 @@
           <a:bodyPr/>
           <a:lstStyle/>
           <a:p>
-            <a:fld id="{A7DF87BA-3EAD-45A3-BEBD-A6A4A8CC58E8}" type="datetime1">
+            <a:fld id="{5E53F432-BB66-4AE7-AA91-18692C304808}" type="datetime1">
               <a:rPr lang="de-DE" smtClean="0"/>
-              <a:t>21.08.2023</a:t>
+              <a:t>22.08.2023</a:t>
             </a:fld>
             <a:endParaRPr lang="de-DE"/>
           </a:p>
@@ -3583,7 +3595,7 @@
           <a:p>
             <a:r>
               <a:rPr lang="de-DE"/>
-              <a:t>Denis Ojdanic</a:t>
+              <a:t>Entwicklung eines 2D – „Schiffe versenken“ Spiels zur Simulation einer Seeschlacht von Denis Ojdanic</a:t>
             </a:r>
           </a:p>
         </p:txBody>
@@ -3766,9 +3778,9 @@
           <a:bodyPr/>
           <a:lstStyle/>
           <a:p>
-            <a:fld id="{57A28051-A3CA-426C-9350-33533397EA2A}" type="datetime1">
+            <a:fld id="{0C017460-DDC5-4E4C-8910-4DDE24DA9ECF}" type="datetime1">
               <a:rPr lang="de-DE" smtClean="0"/>
-              <a:t>21.08.2023</a:t>
+              <a:t>22.08.2023</a:t>
             </a:fld>
             <a:endParaRPr lang="de-DE"/>
           </a:p>
@@ -3791,7 +3803,7 @@
           <a:p>
             <a:r>
               <a:rPr lang="de-DE"/>
-              <a:t>Denis Ojdanic</a:t>
+              <a:t>Entwicklung eines 2D – „Schiffe versenken“ Spiels zur Simulation einer Seeschlacht von Denis Ojdanic</a:t>
             </a:r>
           </a:p>
         </p:txBody>
@@ -3983,9 +3995,9 @@
           <a:bodyPr/>
           <a:lstStyle/>
           <a:p>
-            <a:fld id="{20CC4896-694D-4858-9ED7-0A6DB50C8425}" type="datetime1">
+            <a:fld id="{A74FBB5C-17B7-4792-89AF-B8A016EE63CE}" type="datetime1">
               <a:rPr lang="de-DE" smtClean="0"/>
-              <a:t>21.08.2023</a:t>
+              <a:t>22.08.2023</a:t>
             </a:fld>
             <a:endParaRPr lang="de-DE"/>
           </a:p>
@@ -4008,7 +4020,7 @@
           <a:p>
             <a:r>
               <a:rPr lang="de-DE"/>
-              <a:t>Denis Ojdanic</a:t>
+              <a:t>Entwicklung eines 2D – „Schiffe versenken“ Spiels zur Simulation einer Seeschlacht von Denis Ojdanic</a:t>
             </a:r>
           </a:p>
         </p:txBody>
@@ -4196,9 +4208,9 @@
           <a:bodyPr/>
           <a:lstStyle/>
           <a:p>
-            <a:fld id="{ACA073D2-470B-4B24-9E68-75A0560E33F7}" type="datetime1">
+            <a:fld id="{8572A4A3-D06D-45F2-A4F4-348ED7350600}" type="datetime1">
               <a:rPr lang="de-DE" smtClean="0"/>
-              <a:t>21.08.2023</a:t>
+              <a:t>22.08.2023</a:t>
             </a:fld>
             <a:endParaRPr lang="de-DE"/>
           </a:p>
@@ -4221,7 +4233,7 @@
           <a:p>
             <a:r>
               <a:rPr lang="de-DE"/>
-              <a:t>Denis Ojdanic</a:t>
+              <a:t>Entwicklung eines 2D – „Schiffe versenken“ Spiels zur Simulation einer Seeschlacht von Denis Ojdanic</a:t>
             </a:r>
           </a:p>
         </p:txBody>
@@ -4479,9 +4491,9 @@
           <a:bodyPr/>
           <a:lstStyle/>
           <a:p>
-            <a:fld id="{48BE507A-FDDF-4FC8-9B1A-DB3310802353}" type="datetime1">
+            <a:fld id="{FFFC2A57-C381-4262-8AE3-700CB5F3A682}" type="datetime1">
               <a:rPr lang="de-DE" smtClean="0"/>
-              <a:t>21.08.2023</a:t>
+              <a:t>22.08.2023</a:t>
             </a:fld>
             <a:endParaRPr lang="de-DE"/>
           </a:p>
@@ -4504,7 +4516,7 @@
           <a:p>
             <a:r>
               <a:rPr lang="de-DE"/>
-              <a:t>Denis Ojdanic</a:t>
+              <a:t>Entwicklung eines 2D – „Schiffe versenken“ Spiels zur Simulation einer Seeschlacht von Denis Ojdanic</a:t>
             </a:r>
           </a:p>
         </p:txBody>
@@ -4749,9 +4761,9 @@
           <a:bodyPr/>
           <a:lstStyle/>
           <a:p>
-            <a:fld id="{3BA83151-F821-45BF-B596-D4DE12549ED7}" type="datetime1">
+            <a:fld id="{DBE15BD0-BA7F-4172-BFD8-DE5FD18B215E}" type="datetime1">
               <a:rPr lang="de-DE" smtClean="0"/>
-              <a:t>21.08.2023</a:t>
+              <a:t>22.08.2023</a:t>
             </a:fld>
             <a:endParaRPr lang="de-DE"/>
           </a:p>
@@ -4774,7 +4786,7 @@
           <a:p>
             <a:r>
               <a:rPr lang="de-DE"/>
-              <a:t>Denis Ojdanic</a:t>
+              <a:t>Entwicklung eines 2D – „Schiffe versenken“ Spiels zur Simulation einer Seeschlacht von Denis Ojdanic</a:t>
             </a:r>
           </a:p>
         </p:txBody>
@@ -5167,9 +5179,9 @@
           <a:bodyPr/>
           <a:lstStyle/>
           <a:p>
-            <a:fld id="{24BA8C54-3F9F-4AD8-8BDA-1743E845E160}" type="datetime1">
+            <a:fld id="{93E24929-F3C7-4A0C-BFB1-3BF1DF1FFD02}" type="datetime1">
               <a:rPr lang="de-DE" smtClean="0"/>
-              <a:t>21.08.2023</a:t>
+              <a:t>22.08.2023</a:t>
             </a:fld>
             <a:endParaRPr lang="de-DE"/>
           </a:p>
@@ -5192,7 +5204,7 @@
           <a:p>
             <a:r>
               <a:rPr lang="de-DE"/>
-              <a:t>Denis Ojdanic</a:t>
+              <a:t>Entwicklung eines 2D – „Schiffe versenken“ Spiels zur Simulation einer Seeschlacht von Denis Ojdanic</a:t>
             </a:r>
           </a:p>
         </p:txBody>
@@ -5318,9 +5330,9 @@
           <a:bodyPr/>
           <a:lstStyle/>
           <a:p>
-            <a:fld id="{1BC82D78-6CA7-40B0-99A4-EF04DED5CA9B}" type="datetime1">
+            <a:fld id="{91D08588-3DAC-44B1-94F1-573C9FD3D023}" type="datetime1">
               <a:rPr lang="de-DE" smtClean="0"/>
-              <a:t>21.08.2023</a:t>
+              <a:t>22.08.2023</a:t>
             </a:fld>
             <a:endParaRPr lang="de-DE"/>
           </a:p>
@@ -5343,7 +5355,7 @@
           <a:p>
             <a:r>
               <a:rPr lang="de-DE"/>
-              <a:t>Denis Ojdanic</a:t>
+              <a:t>Entwicklung eines 2D – „Schiffe versenken“ Spiels zur Simulation einer Seeschlacht von Denis Ojdanic</a:t>
             </a:r>
           </a:p>
         </p:txBody>
@@ -5446,9 +5458,9 @@
           <a:bodyPr/>
           <a:lstStyle/>
           <a:p>
-            <a:fld id="{CE2E048B-5CB3-47A1-AB3D-348EC53EE2A8}" type="datetime1">
+            <a:fld id="{07B96FA7-1D37-496A-A4D2-5C746DF1211C}" type="datetime1">
               <a:rPr lang="de-DE" smtClean="0"/>
-              <a:t>21.08.2023</a:t>
+              <a:t>22.08.2023</a:t>
             </a:fld>
             <a:endParaRPr lang="de-DE"/>
           </a:p>
@@ -5471,7 +5483,7 @@
           <a:p>
             <a:r>
               <a:rPr lang="de-DE"/>
-              <a:t>Denis Ojdanic</a:t>
+              <a:t>Entwicklung eines 2D – „Schiffe versenken“ Spiels zur Simulation einer Seeschlacht von Denis Ojdanic</a:t>
             </a:r>
           </a:p>
         </p:txBody>
@@ -5728,9 +5740,9 @@
           <a:bodyPr/>
           <a:lstStyle/>
           <a:p>
-            <a:fld id="{3E451D25-BED7-4FA9-B78E-46053C197C5F}" type="datetime1">
+            <a:fld id="{71FD3FE7-2882-42A7-BB32-5A6367CBDA45}" type="datetime1">
               <a:rPr lang="de-DE" smtClean="0"/>
-              <a:t>21.08.2023</a:t>
+              <a:t>22.08.2023</a:t>
             </a:fld>
             <a:endParaRPr lang="de-DE"/>
           </a:p>
@@ -5753,7 +5765,7 @@
           <a:p>
             <a:r>
               <a:rPr lang="de-DE"/>
-              <a:t>Denis Ojdanic</a:t>
+              <a:t>Entwicklung eines 2D – „Schiffe versenken“ Spiels zur Simulation einer Seeschlacht von Denis Ojdanic</a:t>
             </a:r>
           </a:p>
         </p:txBody>
@@ -6046,9 +6058,9 @@
           <a:bodyPr/>
           <a:lstStyle/>
           <a:p>
-            <a:fld id="{953DCBED-5404-44CD-A5F3-1ED3C967D18C}" type="datetime1">
+            <a:fld id="{5F800F1A-B4D2-4D1A-AB12-CAB85F7F8FEC}" type="datetime1">
               <a:rPr lang="de-DE" smtClean="0"/>
-              <a:t>21.08.2023</a:t>
+              <a:t>22.08.2023</a:t>
             </a:fld>
             <a:endParaRPr lang="de-DE"/>
           </a:p>
@@ -6071,7 +6083,7 @@
           <a:p>
             <a:r>
               <a:rPr lang="de-DE"/>
-              <a:t>Denis Ojdanic</a:t>
+              <a:t>Entwicklung eines 2D – „Schiffe versenken“ Spiels zur Simulation einer Seeschlacht von Denis Ojdanic</a:t>
             </a:r>
           </a:p>
         </p:txBody>
@@ -6357,9 +6369,9 @@
             </a:lvl1pPr>
           </a:lstStyle>
           <a:p>
-            <a:fld id="{B6CEB8E5-5955-4640-9D53-F10115A614B7}" type="datetime1">
+            <a:fld id="{38790068-0882-4217-A6C0-4EF73D8B28AE}" type="datetime1">
               <a:rPr lang="de-DE" smtClean="0"/>
-              <a:t>21.08.2023</a:t>
+              <a:t>22.08.2023</a:t>
             </a:fld>
             <a:endParaRPr lang="de-DE"/>
           </a:p>
@@ -6398,8 +6410,9 @@
           <a:p>
             <a:r>
               <a:rPr lang="de-DE"/>
-              <a:t>Denis Ojdanic</a:t>
-            </a:r>
+              <a:t>Entwicklung eines 2D – „Schiffe versenken“ Spiels zur Simulation einer Seeschlacht von Denis Ojdanic</a:t>
+            </a:r>
+            <a:endParaRPr lang="de-DE" dirty="0"/>
           </a:p>
         </p:txBody>
       </p:sp>
@@ -7055,6 +7068,175 @@
 </p:sld>
 </file>
 
+<file path=ppt/slides/slide10.xml><?xml version="1.0" encoding="utf-8"?>
+<p:sld xmlns:a="http://schemas.openxmlformats.org/drawingml/2006/main" xmlns:r="http://schemas.openxmlformats.org/officeDocument/2006/relationships" xmlns:p="http://schemas.openxmlformats.org/presentationml/2006/main">
+  <p:cSld>
+    <p:spTree>
+      <p:nvGrpSpPr>
+        <p:cNvPr id="1" name=""/>
+        <p:cNvGrpSpPr/>
+        <p:nvPr/>
+      </p:nvGrpSpPr>
+      <p:grpSpPr>
+        <a:xfrm>
+          <a:off x="0" y="0"/>
+          <a:ext cx="0" cy="0"/>
+          <a:chOff x="0" y="0"/>
+          <a:chExt cx="0" cy="0"/>
+        </a:xfrm>
+      </p:grpSpPr>
+      <p:sp>
+        <p:nvSpPr>
+          <p:cNvPr id="2" name="Titel 1">
+            <a:extLst>
+              <a:ext uri="{FF2B5EF4-FFF2-40B4-BE49-F238E27FC236}">
+                <a16:creationId xmlns:a16="http://schemas.microsoft.com/office/drawing/2014/main" id="{E109229F-60BB-488E-9168-09B1DDE8DA84}"/>
+              </a:ext>
+            </a:extLst>
+          </p:cNvPr>
+          <p:cNvSpPr>
+            <a:spLocks noGrp="1"/>
+          </p:cNvSpPr>
+          <p:nvPr>
+            <p:ph type="title"/>
+          </p:nvPr>
+        </p:nvSpPr>
+        <p:spPr/>
+        <p:txBody>
+          <a:bodyPr/>
+          <a:lstStyle/>
+          <a:p>
+            <a:r>
+              <a:rPr lang="de-DE" dirty="0"/>
+              <a:t>Quellen</a:t>
+            </a:r>
+          </a:p>
+        </p:txBody>
+      </p:sp>
+      <p:sp>
+        <p:nvSpPr>
+          <p:cNvPr id="3" name="Inhaltsplatzhalter 2">
+            <a:extLst>
+              <a:ext uri="{FF2B5EF4-FFF2-40B4-BE49-F238E27FC236}">
+                <a16:creationId xmlns:a16="http://schemas.microsoft.com/office/drawing/2014/main" id="{AD5824A7-1C1B-4C8F-A782-35C00141A3AC}"/>
+              </a:ext>
+            </a:extLst>
+          </p:cNvPr>
+          <p:cNvSpPr>
+            <a:spLocks noGrp="1"/>
+          </p:cNvSpPr>
+          <p:nvPr>
+            <p:ph sz="quarter" idx="13"/>
+          </p:nvPr>
+        </p:nvSpPr>
+        <p:spPr/>
+        <p:txBody>
+          <a:bodyPr/>
+          <a:lstStyle/>
+          <a:p>
+            <a:endParaRPr lang="de-DE"/>
+          </a:p>
+        </p:txBody>
+      </p:sp>
+      <p:sp>
+        <p:nvSpPr>
+          <p:cNvPr id="4" name="Datumsplatzhalter 3">
+            <a:extLst>
+              <a:ext uri="{FF2B5EF4-FFF2-40B4-BE49-F238E27FC236}">
+                <a16:creationId xmlns:a16="http://schemas.microsoft.com/office/drawing/2014/main" id="{61E992DE-2A42-4248-BB55-4CD501266356}"/>
+              </a:ext>
+            </a:extLst>
+          </p:cNvPr>
+          <p:cNvSpPr>
+            <a:spLocks noGrp="1"/>
+          </p:cNvSpPr>
+          <p:nvPr>
+            <p:ph type="dt" sz="half" idx="10"/>
+          </p:nvPr>
+        </p:nvSpPr>
+        <p:spPr/>
+        <p:txBody>
+          <a:bodyPr/>
+          <a:lstStyle/>
+          <a:p>
+            <a:fld id="{DC2E460A-31D6-4295-8454-487389ED80B2}" type="datetime1">
+              <a:rPr lang="de-DE" smtClean="0"/>
+              <a:t>22.08.2023</a:t>
+            </a:fld>
+            <a:endParaRPr lang="de-DE"/>
+          </a:p>
+        </p:txBody>
+      </p:sp>
+      <p:sp>
+        <p:nvSpPr>
+          <p:cNvPr id="5" name="Fußzeilenplatzhalter 4">
+            <a:extLst>
+              <a:ext uri="{FF2B5EF4-FFF2-40B4-BE49-F238E27FC236}">
+                <a16:creationId xmlns:a16="http://schemas.microsoft.com/office/drawing/2014/main" id="{B1E36FAB-C013-4AA3-AA11-77134E86551E}"/>
+              </a:ext>
+            </a:extLst>
+          </p:cNvPr>
+          <p:cNvSpPr>
+            <a:spLocks noGrp="1"/>
+          </p:cNvSpPr>
+          <p:nvPr>
+            <p:ph type="ftr" sz="quarter" idx="11"/>
+          </p:nvPr>
+        </p:nvSpPr>
+        <p:spPr/>
+        <p:txBody>
+          <a:bodyPr/>
+          <a:lstStyle/>
+          <a:p>
+            <a:r>
+              <a:rPr lang="de-DE"/>
+              <a:t>Entwicklung eines 2D – „Schiffe versenken“ Spiels zur Simulation einer Seeschlacht von Denis Ojdanic</a:t>
+            </a:r>
+          </a:p>
+        </p:txBody>
+      </p:sp>
+      <p:sp>
+        <p:nvSpPr>
+          <p:cNvPr id="6" name="Foliennummernplatzhalter 5">
+            <a:extLst>
+              <a:ext uri="{FF2B5EF4-FFF2-40B4-BE49-F238E27FC236}">
+                <a16:creationId xmlns:a16="http://schemas.microsoft.com/office/drawing/2014/main" id="{83E6C0E0-33EF-4271-8167-50957528CDE7}"/>
+              </a:ext>
+            </a:extLst>
+          </p:cNvPr>
+          <p:cNvSpPr>
+            <a:spLocks noGrp="1"/>
+          </p:cNvSpPr>
+          <p:nvPr>
+            <p:ph type="sldNum" sz="quarter" idx="12"/>
+          </p:nvPr>
+        </p:nvSpPr>
+        <p:spPr/>
+        <p:txBody>
+          <a:bodyPr/>
+          <a:lstStyle/>
+          <a:p>
+            <a:fld id="{B6A80B7A-611C-43E0-A68D-9C97C7F7B967}" type="slidenum">
+              <a:rPr lang="de-DE" smtClean="0"/>
+              <a:t>10</a:t>
+            </a:fld>
+            <a:endParaRPr lang="de-DE"/>
+          </a:p>
+        </p:txBody>
+      </p:sp>
+    </p:spTree>
+    <p:extLst>
+      <p:ext uri="{BB962C8B-B14F-4D97-AF65-F5344CB8AC3E}">
+        <p14:creationId xmlns:p14="http://schemas.microsoft.com/office/powerpoint/2010/main" val="2011834369"/>
+      </p:ext>
+    </p:extLst>
+  </p:cSld>
+  <p:clrMapOvr>
+    <a:masterClrMapping/>
+  </p:clrMapOvr>
+</p:sld>
+</file>
+
 <file path=ppt/slides/slide2.xml><?xml version="1.0" encoding="utf-8"?>
 <p:sld xmlns:a="http://schemas.openxmlformats.org/drawingml/2006/main" xmlns:r="http://schemas.openxmlformats.org/officeDocument/2006/relationships" xmlns:p="http://schemas.openxmlformats.org/presentationml/2006/main">
   <p:cSld>
@@ -7129,7 +7311,13 @@
           <a:p>
             <a:r>
               <a:rPr lang="de-DE" dirty="0"/>
-              <a:t>Rahmenbedingungen</a:t>
+              <a:t>Auftraggeber</a:t>
+            </a:r>
+          </a:p>
+          <a:p>
+            <a:r>
+              <a:rPr lang="de-DE" dirty="0"/>
+              <a:t>Projektziel</a:t>
             </a:r>
           </a:p>
           <a:p>
@@ -7142,6 +7330,12 @@
             <a:r>
               <a:rPr lang="de-DE" dirty="0"/>
               <a:t>Durchführung</a:t>
+            </a:r>
+          </a:p>
+          <a:p>
+            <a:r>
+              <a:rPr lang="de-DE" dirty="0"/>
+              <a:t>Qualitätssicherung</a:t>
             </a:r>
           </a:p>
           <a:p>
@@ -7173,9 +7367,9 @@
           <a:bodyPr/>
           <a:lstStyle/>
           <a:p>
-            <a:fld id="{ACA073D2-470B-4B24-9E68-75A0560E33F7}" type="datetime1">
+            <a:fld id="{5A282FE3-3930-47E8-8F00-5F7DDFB2B2FF}" type="datetime1">
               <a:rPr lang="de-DE" smtClean="0"/>
-              <a:t>21.08.2023</a:t>
+              <a:t>22.08.2023</a:t>
             </a:fld>
             <a:endParaRPr lang="de-DE"/>
           </a:p>
@@ -7204,8 +7398,9 @@
           <a:p>
             <a:r>
               <a:rPr lang="de-DE"/>
-              <a:t>Denis Ojdanic</a:t>
-            </a:r>
+              <a:t>Entwicklung eines 2D – „Schiffe versenken“ Spiels zur Simulation einer Seeschlacht von Denis Ojdanic</a:t>
+            </a:r>
+            <a:endParaRPr lang="de-DE" dirty="0"/>
           </a:p>
         </p:txBody>
       </p:sp>
@@ -7419,11 +7614,11 @@
           <a:bodyPr/>
           <a:lstStyle/>
           <a:p>
-            <a:fld id="{ACA073D2-470B-4B24-9E68-75A0560E33F7}" type="datetime1">
+            <a:fld id="{9121658D-93A0-499A-8F0C-A8AFDD89FD51}" type="datetime1">
               <a:rPr lang="de-DE" smtClean="0"/>
-              <a:t>21.08.2023</a:t>
+              <a:t>22.08.2023</a:t>
             </a:fld>
-            <a:endParaRPr lang="de-DE"/>
+            <a:endParaRPr lang="de-DE" dirty="0"/>
           </a:p>
         </p:txBody>
       </p:sp>
@@ -7450,8 +7645,9 @@
           <a:p>
             <a:r>
               <a:rPr lang="de-DE"/>
-              <a:t>Denis Ojdanic</a:t>
-            </a:r>
+              <a:t>Entwicklung eines 2D – „Schiffe versenken“ Spiels zur Simulation einer Seeschlacht von Denis Ojdanic</a:t>
+            </a:r>
+            <a:endParaRPr lang="de-DE" dirty="0"/>
           </a:p>
         </p:txBody>
       </p:sp>
@@ -7480,7 +7676,7 @@
               <a:rPr lang="de-DE" smtClean="0"/>
               <a:t>3</a:t>
             </a:fld>
-            <a:endParaRPr lang="de-DE"/>
+            <a:endParaRPr lang="de-DE" dirty="0"/>
           </a:p>
         </p:txBody>
       </p:sp>
@@ -7516,6 +7712,62 @@
       </p:grpSpPr>
       <p:sp>
         <p:nvSpPr>
+          <p:cNvPr id="3" name="Inhaltsplatzhalter 2">
+            <a:extLst>
+              <a:ext uri="{FF2B5EF4-FFF2-40B4-BE49-F238E27FC236}">
+                <a16:creationId xmlns:a16="http://schemas.microsoft.com/office/drawing/2014/main" id="{D13F6632-7D48-4AD2-942B-F713AD71281C}"/>
+              </a:ext>
+            </a:extLst>
+          </p:cNvPr>
+          <p:cNvSpPr>
+            <a:spLocks noGrp="1"/>
+          </p:cNvSpPr>
+          <p:nvPr>
+            <p:ph sz="quarter" idx="13"/>
+          </p:nvPr>
+        </p:nvSpPr>
+        <p:spPr/>
+        <p:txBody>
+          <a:bodyPr/>
+          <a:lstStyle/>
+          <a:p>
+            <a:r>
+              <a:rPr lang="de-DE" dirty="0" err="1"/>
+              <a:t>Ojde</a:t>
+            </a:r>
+            <a:r>
+              <a:rPr lang="de-DE" dirty="0"/>
+              <a:t>-Schule in Heidenheim (Brenz)</a:t>
+            </a:r>
+          </a:p>
+          <a:p>
+            <a:r>
+              <a:rPr lang="de-DE" dirty="0"/>
+              <a:t>Förderschule mit Förderschwerpunkt körperliche und motorische Entwicklung</a:t>
+            </a:r>
+          </a:p>
+          <a:p>
+            <a:r>
+              <a:rPr lang="de-DE" dirty="0"/>
+              <a:t>Grund- und Hauptschule</a:t>
+            </a:r>
+          </a:p>
+          <a:p>
+            <a:r>
+              <a:rPr lang="de-DE" dirty="0"/>
+              <a:t>200 Schüler ca. mit kleinen Klassengrößen</a:t>
+            </a:r>
+          </a:p>
+          <a:p>
+            <a:r>
+              <a:rPr lang="de-DE" dirty="0"/>
+              <a:t>Einsatz des Projektes im Schulunterricht des Fachs „EDV“</a:t>
+            </a:r>
+          </a:p>
+        </p:txBody>
+      </p:sp>
+      <p:sp>
+        <p:nvSpPr>
           <p:cNvPr id="2" name="Titel 1">
             <a:extLst>
               <a:ext uri="{FF2B5EF4-FFF2-40B4-BE49-F238E27FC236}">
@@ -7537,47 +7789,8 @@
           <a:p>
             <a:r>
               <a:rPr lang="de-DE" dirty="0"/>
-              <a:t>Rahmenbedingungen</a:t>
-            </a:r>
-          </a:p>
-        </p:txBody>
-      </p:sp>
-      <p:sp>
-        <p:nvSpPr>
-          <p:cNvPr id="3" name="Inhaltsplatzhalter 2">
-            <a:extLst>
-              <a:ext uri="{FF2B5EF4-FFF2-40B4-BE49-F238E27FC236}">
-                <a16:creationId xmlns:a16="http://schemas.microsoft.com/office/drawing/2014/main" id="{D13F6632-7D48-4AD2-942B-F713AD71281C}"/>
-              </a:ext>
-            </a:extLst>
-          </p:cNvPr>
-          <p:cNvSpPr>
-            <a:spLocks noGrp="1"/>
-          </p:cNvSpPr>
-          <p:nvPr>
-            <p:ph sz="quarter" idx="13"/>
-          </p:nvPr>
-        </p:nvSpPr>
-        <p:spPr/>
-        <p:txBody>
-          <a:bodyPr/>
-          <a:lstStyle/>
-          <a:p>
-            <a:r>
-              <a:rPr lang="de-DE" dirty="0"/>
-              <a:t>Auftraggeber: </a:t>
-            </a:r>
-            <a:r>
-              <a:rPr lang="de-DE" dirty="0" err="1"/>
-              <a:t>Ojde</a:t>
-            </a:r>
-            <a:r>
-              <a:rPr lang="de-DE" dirty="0"/>
-              <a:t>-Schule in Heidenheim (Brenz)</a:t>
-            </a:r>
-          </a:p>
-          <a:p>
-            <a:endParaRPr lang="de-DE" dirty="0"/>
+              <a:t>Auftraggeber</a:t>
+            </a:r>
           </a:p>
         </p:txBody>
       </p:sp>
@@ -7602,9 +7815,9 @@
           <a:bodyPr/>
           <a:lstStyle/>
           <a:p>
-            <a:fld id="{ACA073D2-470B-4B24-9E68-75A0560E33F7}" type="datetime1">
+            <a:fld id="{022EE025-C144-4848-A13E-DCCBAFF8D0E8}" type="datetime1">
               <a:rPr lang="de-DE" smtClean="0"/>
-              <a:t>21.08.2023</a:t>
+              <a:t>22.08.2023</a:t>
             </a:fld>
             <a:endParaRPr lang="de-DE"/>
           </a:p>
@@ -7633,7 +7846,7 @@
           <a:p>
             <a:r>
               <a:rPr lang="de-DE"/>
-              <a:t>Denis Ojdanic</a:t>
+              <a:t>Entwicklung eines 2D – „Schiffe versenken“ Spiels zur Simulation einer Seeschlacht von Denis Ojdanic</a:t>
             </a:r>
           </a:p>
         </p:txBody>
@@ -7702,7 +7915,7 @@
           <p:cNvPr id="2" name="Titel 1">
             <a:extLst>
               <a:ext uri="{FF2B5EF4-FFF2-40B4-BE49-F238E27FC236}">
-                <a16:creationId xmlns:a16="http://schemas.microsoft.com/office/drawing/2014/main" id="{69E165F1-DE77-4B90-972A-54D85BE574B6}"/>
+                <a16:creationId xmlns:a16="http://schemas.microsoft.com/office/drawing/2014/main" id="{23E8C1EB-0DB7-4C6D-BC90-8D18CDC2BA04}"/>
               </a:ext>
             </a:extLst>
           </p:cNvPr>
@@ -7718,7 +7931,10 @@
           <a:bodyPr/>
           <a:lstStyle/>
           <a:p>
-            <a:endParaRPr lang="de-DE"/>
+            <a:r>
+              <a:rPr lang="de-DE" dirty="0"/>
+              <a:t>Projektziel</a:t>
+            </a:r>
           </a:p>
         </p:txBody>
       </p:sp>
@@ -7727,7 +7943,7 @@
           <p:cNvPr id="3" name="Inhaltsplatzhalter 2">
             <a:extLst>
               <a:ext uri="{FF2B5EF4-FFF2-40B4-BE49-F238E27FC236}">
-                <a16:creationId xmlns:a16="http://schemas.microsoft.com/office/drawing/2014/main" id="{FEBEA2EB-2914-4E90-95F5-6F5ABDA727A8}"/>
+                <a16:creationId xmlns:a16="http://schemas.microsoft.com/office/drawing/2014/main" id="{F04B2CBA-3B32-4CFF-AA2C-6F3F706E917F}"/>
               </a:ext>
             </a:extLst>
           </p:cNvPr>
@@ -7752,7 +7968,7 @@
           <p:cNvPr id="4" name="Datumsplatzhalter 3">
             <a:extLst>
               <a:ext uri="{FF2B5EF4-FFF2-40B4-BE49-F238E27FC236}">
-                <a16:creationId xmlns:a16="http://schemas.microsoft.com/office/drawing/2014/main" id="{F62EBD92-D3FC-4C2D-93B9-6081635FCD78}"/>
+                <a16:creationId xmlns:a16="http://schemas.microsoft.com/office/drawing/2014/main" id="{65988F85-AB88-49DF-919D-79DCD2C3B261}"/>
               </a:ext>
             </a:extLst>
           </p:cNvPr>
@@ -7768,9 +7984,9 @@
           <a:bodyPr/>
           <a:lstStyle/>
           <a:p>
-            <a:fld id="{ACA073D2-470B-4B24-9E68-75A0560E33F7}" type="datetime1">
+            <a:fld id="{8572A4A3-D06D-45F2-A4F4-348ED7350600}" type="datetime1">
               <a:rPr lang="de-DE" smtClean="0"/>
-              <a:t>21.08.2023</a:t>
+              <a:t>22.08.2023</a:t>
             </a:fld>
             <a:endParaRPr lang="de-DE"/>
           </a:p>
@@ -7781,7 +7997,7 @@
           <p:cNvPr id="5" name="Fußzeilenplatzhalter 4">
             <a:extLst>
               <a:ext uri="{FF2B5EF4-FFF2-40B4-BE49-F238E27FC236}">
-                <a16:creationId xmlns:a16="http://schemas.microsoft.com/office/drawing/2014/main" id="{E6139F8B-2711-413F-9AA2-B43A94011FEA}"/>
+                <a16:creationId xmlns:a16="http://schemas.microsoft.com/office/drawing/2014/main" id="{078E03DB-44AD-4239-A820-3C18F3E2F1CC}"/>
               </a:ext>
             </a:extLst>
           </p:cNvPr>
@@ -7799,7 +8015,7 @@
           <a:p>
             <a:r>
               <a:rPr lang="de-DE"/>
-              <a:t>Denis Ojdanic</a:t>
+              <a:t>Entwicklung eines 2D – „Schiffe versenken“ Spiels zur Simulation einer Seeschlacht von Denis Ojdanic</a:t>
             </a:r>
           </a:p>
         </p:txBody>
@@ -7809,7 +8025,7 @@
           <p:cNvPr id="6" name="Foliennummernplatzhalter 5">
             <a:extLst>
               <a:ext uri="{FF2B5EF4-FFF2-40B4-BE49-F238E27FC236}">
-                <a16:creationId xmlns:a16="http://schemas.microsoft.com/office/drawing/2014/main" id="{58D784A9-A29D-4452-A5BF-2FE9CA4E38A0}"/>
+                <a16:creationId xmlns:a16="http://schemas.microsoft.com/office/drawing/2014/main" id="{61F908F1-E0A3-47EE-8F18-E33A1E9F070F}"/>
               </a:ext>
             </a:extLst>
           </p:cNvPr>
@@ -7836,7 +8052,7 @@
     </p:spTree>
     <p:extLst>
       <p:ext uri="{BB962C8B-B14F-4D97-AF65-F5344CB8AC3E}">
-        <p14:creationId xmlns:p14="http://schemas.microsoft.com/office/powerpoint/2010/main" val="3076311443"/>
+        <p14:creationId xmlns:p14="http://schemas.microsoft.com/office/powerpoint/2010/main" val="1653516970"/>
       </p:ext>
     </p:extLst>
   </p:cSld>
@@ -7868,6 +8084,175 @@
           <p:cNvPr id="2" name="Titel 1">
             <a:extLst>
               <a:ext uri="{FF2B5EF4-FFF2-40B4-BE49-F238E27FC236}">
+                <a16:creationId xmlns:a16="http://schemas.microsoft.com/office/drawing/2014/main" id="{69E165F1-DE77-4B90-972A-54D85BE574B6}"/>
+              </a:ext>
+            </a:extLst>
+          </p:cNvPr>
+          <p:cNvSpPr>
+            <a:spLocks noGrp="1"/>
+          </p:cNvSpPr>
+          <p:nvPr>
+            <p:ph type="title"/>
+          </p:nvPr>
+        </p:nvSpPr>
+        <p:spPr/>
+        <p:txBody>
+          <a:bodyPr/>
+          <a:lstStyle/>
+          <a:p>
+            <a:r>
+              <a:rPr lang="de-DE" dirty="0"/>
+              <a:t>Planung</a:t>
+            </a:r>
+          </a:p>
+        </p:txBody>
+      </p:sp>
+      <p:sp>
+        <p:nvSpPr>
+          <p:cNvPr id="3" name="Inhaltsplatzhalter 2">
+            <a:extLst>
+              <a:ext uri="{FF2B5EF4-FFF2-40B4-BE49-F238E27FC236}">
+                <a16:creationId xmlns:a16="http://schemas.microsoft.com/office/drawing/2014/main" id="{FEBEA2EB-2914-4E90-95F5-6F5ABDA727A8}"/>
+              </a:ext>
+            </a:extLst>
+          </p:cNvPr>
+          <p:cNvSpPr>
+            <a:spLocks noGrp="1"/>
+          </p:cNvSpPr>
+          <p:nvPr>
+            <p:ph sz="quarter" idx="13"/>
+          </p:nvPr>
+        </p:nvSpPr>
+        <p:spPr/>
+        <p:txBody>
+          <a:bodyPr/>
+          <a:lstStyle/>
+          <a:p>
+            <a:endParaRPr lang="de-DE"/>
+          </a:p>
+        </p:txBody>
+      </p:sp>
+      <p:sp>
+        <p:nvSpPr>
+          <p:cNvPr id="4" name="Datumsplatzhalter 3">
+            <a:extLst>
+              <a:ext uri="{FF2B5EF4-FFF2-40B4-BE49-F238E27FC236}">
+                <a16:creationId xmlns:a16="http://schemas.microsoft.com/office/drawing/2014/main" id="{F62EBD92-D3FC-4C2D-93B9-6081635FCD78}"/>
+              </a:ext>
+            </a:extLst>
+          </p:cNvPr>
+          <p:cNvSpPr>
+            <a:spLocks noGrp="1"/>
+          </p:cNvSpPr>
+          <p:nvPr>
+            <p:ph type="dt" sz="half" idx="10"/>
+          </p:nvPr>
+        </p:nvSpPr>
+        <p:spPr/>
+        <p:txBody>
+          <a:bodyPr/>
+          <a:lstStyle/>
+          <a:p>
+            <a:fld id="{2203D72D-935C-4722-8BA8-B4E10C205C6E}" type="datetime1">
+              <a:rPr lang="de-DE" smtClean="0"/>
+              <a:t>22.08.2023</a:t>
+            </a:fld>
+            <a:endParaRPr lang="de-DE"/>
+          </a:p>
+        </p:txBody>
+      </p:sp>
+      <p:sp>
+        <p:nvSpPr>
+          <p:cNvPr id="5" name="Fußzeilenplatzhalter 4">
+            <a:extLst>
+              <a:ext uri="{FF2B5EF4-FFF2-40B4-BE49-F238E27FC236}">
+                <a16:creationId xmlns:a16="http://schemas.microsoft.com/office/drawing/2014/main" id="{E6139F8B-2711-413F-9AA2-B43A94011FEA}"/>
+              </a:ext>
+            </a:extLst>
+          </p:cNvPr>
+          <p:cNvSpPr>
+            <a:spLocks noGrp="1"/>
+          </p:cNvSpPr>
+          <p:nvPr>
+            <p:ph type="ftr" sz="quarter" idx="11"/>
+          </p:nvPr>
+        </p:nvSpPr>
+        <p:spPr/>
+        <p:txBody>
+          <a:bodyPr/>
+          <a:lstStyle/>
+          <a:p>
+            <a:r>
+              <a:rPr lang="de-DE"/>
+              <a:t>Entwicklung eines 2D – „Schiffe versenken“ Spiels zur Simulation einer Seeschlacht von Denis Ojdanic</a:t>
+            </a:r>
+          </a:p>
+        </p:txBody>
+      </p:sp>
+      <p:sp>
+        <p:nvSpPr>
+          <p:cNvPr id="6" name="Foliennummernplatzhalter 5">
+            <a:extLst>
+              <a:ext uri="{FF2B5EF4-FFF2-40B4-BE49-F238E27FC236}">
+                <a16:creationId xmlns:a16="http://schemas.microsoft.com/office/drawing/2014/main" id="{58D784A9-A29D-4452-A5BF-2FE9CA4E38A0}"/>
+              </a:ext>
+            </a:extLst>
+          </p:cNvPr>
+          <p:cNvSpPr>
+            <a:spLocks noGrp="1"/>
+          </p:cNvSpPr>
+          <p:nvPr>
+            <p:ph type="sldNum" sz="quarter" idx="12"/>
+          </p:nvPr>
+        </p:nvSpPr>
+        <p:spPr/>
+        <p:txBody>
+          <a:bodyPr/>
+          <a:lstStyle/>
+          <a:p>
+            <a:fld id="{B6A80B7A-611C-43E0-A68D-9C97C7F7B967}" type="slidenum">
+              <a:rPr lang="de-DE" smtClean="0"/>
+              <a:t>6</a:t>
+            </a:fld>
+            <a:endParaRPr lang="de-DE"/>
+          </a:p>
+        </p:txBody>
+      </p:sp>
+    </p:spTree>
+    <p:extLst>
+      <p:ext uri="{BB962C8B-B14F-4D97-AF65-F5344CB8AC3E}">
+        <p14:creationId xmlns:p14="http://schemas.microsoft.com/office/powerpoint/2010/main" val="3076311443"/>
+      </p:ext>
+    </p:extLst>
+  </p:cSld>
+  <p:clrMapOvr>
+    <a:masterClrMapping/>
+  </p:clrMapOvr>
+</p:sld>
+</file>
+
+<file path=ppt/slides/slide7.xml><?xml version="1.0" encoding="utf-8"?>
+<p:sld xmlns:a="http://schemas.openxmlformats.org/drawingml/2006/main" xmlns:r="http://schemas.openxmlformats.org/officeDocument/2006/relationships" xmlns:p="http://schemas.openxmlformats.org/presentationml/2006/main">
+  <p:cSld>
+    <p:spTree>
+      <p:nvGrpSpPr>
+        <p:cNvPr id="1" name=""/>
+        <p:cNvGrpSpPr/>
+        <p:nvPr/>
+      </p:nvGrpSpPr>
+      <p:grpSpPr>
+        <a:xfrm>
+          <a:off x="0" y="0"/>
+          <a:ext cx="0" cy="0"/>
+          <a:chOff x="0" y="0"/>
+          <a:chExt cx="0" cy="0"/>
+        </a:xfrm>
+      </p:grpSpPr>
+      <p:sp>
+        <p:nvSpPr>
+          <p:cNvPr id="2" name="Titel 1">
+            <a:extLst>
+              <a:ext uri="{FF2B5EF4-FFF2-40B4-BE49-F238E27FC236}">
                 <a16:creationId xmlns:a16="http://schemas.microsoft.com/office/drawing/2014/main" id="{0B61880B-59D9-4512-8291-8A6530B1533D}"/>
               </a:ext>
             </a:extLst>
@@ -7884,7 +8269,10 @@
           <a:bodyPr/>
           <a:lstStyle/>
           <a:p>
-            <a:endParaRPr lang="de-DE" dirty="0"/>
+            <a:r>
+              <a:rPr lang="de-DE" dirty="0"/>
+              <a:t>Durchführung</a:t>
+            </a:r>
           </a:p>
         </p:txBody>
       </p:sp>
@@ -7934,9 +8322,9 @@
           <a:bodyPr/>
           <a:lstStyle/>
           <a:p>
-            <a:fld id="{ACA073D2-470B-4B24-9E68-75A0560E33F7}" type="datetime1">
+            <a:fld id="{27D204F4-AB39-4F55-987F-F841512CE6C4}" type="datetime1">
               <a:rPr lang="de-DE" smtClean="0"/>
-              <a:t>21.08.2023</a:t>
+              <a:t>22.08.2023</a:t>
             </a:fld>
             <a:endParaRPr lang="de-DE"/>
           </a:p>
@@ -7965,7 +8353,7 @@
           <a:p>
             <a:r>
               <a:rPr lang="de-DE"/>
-              <a:t>Denis Ojdanic</a:t>
+              <a:t>Entwicklung eines 2D – „Schiffe versenken“ Spiels zur Simulation einer Seeschlacht von Denis Ojdanic</a:t>
             </a:r>
           </a:p>
         </p:txBody>
@@ -7993,7 +8381,7 @@
           <a:p>
             <a:fld id="{B6A80B7A-611C-43E0-A68D-9C97C7F7B967}" type="slidenum">
               <a:rPr lang="de-DE" smtClean="0"/>
-              <a:t>6</a:t>
+              <a:t>7</a:t>
             </a:fld>
             <a:endParaRPr lang="de-DE"/>
           </a:p>
@@ -8003,6 +8391,344 @@
     <p:extLst>
       <p:ext uri="{BB962C8B-B14F-4D97-AF65-F5344CB8AC3E}">
         <p14:creationId xmlns:p14="http://schemas.microsoft.com/office/powerpoint/2010/main" val="865451768"/>
+      </p:ext>
+    </p:extLst>
+  </p:cSld>
+  <p:clrMapOvr>
+    <a:masterClrMapping/>
+  </p:clrMapOvr>
+</p:sld>
+</file>
+
+<file path=ppt/slides/slide8.xml><?xml version="1.0" encoding="utf-8"?>
+<p:sld xmlns:a="http://schemas.openxmlformats.org/drawingml/2006/main" xmlns:r="http://schemas.openxmlformats.org/officeDocument/2006/relationships" xmlns:p="http://schemas.openxmlformats.org/presentationml/2006/main">
+  <p:cSld>
+    <p:spTree>
+      <p:nvGrpSpPr>
+        <p:cNvPr id="1" name=""/>
+        <p:cNvGrpSpPr/>
+        <p:nvPr/>
+      </p:nvGrpSpPr>
+      <p:grpSpPr>
+        <a:xfrm>
+          <a:off x="0" y="0"/>
+          <a:ext cx="0" cy="0"/>
+          <a:chOff x="0" y="0"/>
+          <a:chExt cx="0" cy="0"/>
+        </a:xfrm>
+      </p:grpSpPr>
+      <p:sp>
+        <p:nvSpPr>
+          <p:cNvPr id="2" name="Titel 1">
+            <a:extLst>
+              <a:ext uri="{FF2B5EF4-FFF2-40B4-BE49-F238E27FC236}">
+                <a16:creationId xmlns:a16="http://schemas.microsoft.com/office/drawing/2014/main" id="{A1E4BA18-B930-4BCF-A225-A78F58609599}"/>
+              </a:ext>
+            </a:extLst>
+          </p:cNvPr>
+          <p:cNvSpPr>
+            <a:spLocks noGrp="1"/>
+          </p:cNvSpPr>
+          <p:nvPr>
+            <p:ph type="title"/>
+          </p:nvPr>
+        </p:nvSpPr>
+        <p:spPr/>
+        <p:txBody>
+          <a:bodyPr/>
+          <a:lstStyle/>
+          <a:p>
+            <a:r>
+              <a:rPr lang="de-DE" dirty="0"/>
+              <a:t>Qualitätssicherung</a:t>
+            </a:r>
+          </a:p>
+        </p:txBody>
+      </p:sp>
+      <p:sp>
+        <p:nvSpPr>
+          <p:cNvPr id="3" name="Inhaltsplatzhalter 2">
+            <a:extLst>
+              <a:ext uri="{FF2B5EF4-FFF2-40B4-BE49-F238E27FC236}">
+                <a16:creationId xmlns:a16="http://schemas.microsoft.com/office/drawing/2014/main" id="{086316EC-5084-4A77-BA01-CE11726B3121}"/>
+              </a:ext>
+            </a:extLst>
+          </p:cNvPr>
+          <p:cNvSpPr>
+            <a:spLocks noGrp="1"/>
+          </p:cNvSpPr>
+          <p:nvPr>
+            <p:ph sz="quarter" idx="13"/>
+          </p:nvPr>
+        </p:nvSpPr>
+        <p:spPr/>
+        <p:txBody>
+          <a:bodyPr/>
+          <a:lstStyle/>
+          <a:p>
+            <a:endParaRPr lang="de-DE"/>
+          </a:p>
+        </p:txBody>
+      </p:sp>
+      <p:sp>
+        <p:nvSpPr>
+          <p:cNvPr id="4" name="Datumsplatzhalter 3">
+            <a:extLst>
+              <a:ext uri="{FF2B5EF4-FFF2-40B4-BE49-F238E27FC236}">
+                <a16:creationId xmlns:a16="http://schemas.microsoft.com/office/drawing/2014/main" id="{36555B9C-1726-44DD-9A65-D864314E0583}"/>
+              </a:ext>
+            </a:extLst>
+          </p:cNvPr>
+          <p:cNvSpPr>
+            <a:spLocks noGrp="1"/>
+          </p:cNvSpPr>
+          <p:nvPr>
+            <p:ph type="dt" sz="half" idx="10"/>
+          </p:nvPr>
+        </p:nvSpPr>
+        <p:spPr/>
+        <p:txBody>
+          <a:bodyPr/>
+          <a:lstStyle/>
+          <a:p>
+            <a:fld id="{9697E47E-0263-4A3E-B234-0CDBD5C6DAA3}" type="datetime1">
+              <a:rPr lang="de-DE" smtClean="0"/>
+              <a:t>22.08.2023</a:t>
+            </a:fld>
+            <a:endParaRPr lang="de-DE"/>
+          </a:p>
+        </p:txBody>
+      </p:sp>
+      <p:sp>
+        <p:nvSpPr>
+          <p:cNvPr id="5" name="Fußzeilenplatzhalter 4">
+            <a:extLst>
+              <a:ext uri="{FF2B5EF4-FFF2-40B4-BE49-F238E27FC236}">
+                <a16:creationId xmlns:a16="http://schemas.microsoft.com/office/drawing/2014/main" id="{AC9646D5-32C1-4E09-AB99-4E32745A5720}"/>
+              </a:ext>
+            </a:extLst>
+          </p:cNvPr>
+          <p:cNvSpPr>
+            <a:spLocks noGrp="1"/>
+          </p:cNvSpPr>
+          <p:nvPr>
+            <p:ph type="ftr" sz="quarter" idx="11"/>
+          </p:nvPr>
+        </p:nvSpPr>
+        <p:spPr/>
+        <p:txBody>
+          <a:bodyPr/>
+          <a:lstStyle/>
+          <a:p>
+            <a:r>
+              <a:rPr lang="de-DE"/>
+              <a:t>Entwicklung eines 2D – „Schiffe versenken“ Spiels zur Simulation einer Seeschlacht von Denis Ojdanic</a:t>
+            </a:r>
+          </a:p>
+        </p:txBody>
+      </p:sp>
+      <p:sp>
+        <p:nvSpPr>
+          <p:cNvPr id="6" name="Foliennummernplatzhalter 5">
+            <a:extLst>
+              <a:ext uri="{FF2B5EF4-FFF2-40B4-BE49-F238E27FC236}">
+                <a16:creationId xmlns:a16="http://schemas.microsoft.com/office/drawing/2014/main" id="{E881F70D-DD1F-4CDF-9D13-AAE203F44DFD}"/>
+              </a:ext>
+            </a:extLst>
+          </p:cNvPr>
+          <p:cNvSpPr>
+            <a:spLocks noGrp="1"/>
+          </p:cNvSpPr>
+          <p:nvPr>
+            <p:ph type="sldNum" sz="quarter" idx="12"/>
+          </p:nvPr>
+        </p:nvSpPr>
+        <p:spPr/>
+        <p:txBody>
+          <a:bodyPr/>
+          <a:lstStyle/>
+          <a:p>
+            <a:fld id="{B6A80B7A-611C-43E0-A68D-9C97C7F7B967}" type="slidenum">
+              <a:rPr lang="de-DE" smtClean="0"/>
+              <a:t>8</a:t>
+            </a:fld>
+            <a:endParaRPr lang="de-DE"/>
+          </a:p>
+        </p:txBody>
+      </p:sp>
+    </p:spTree>
+    <p:extLst>
+      <p:ext uri="{BB962C8B-B14F-4D97-AF65-F5344CB8AC3E}">
+        <p14:creationId xmlns:p14="http://schemas.microsoft.com/office/powerpoint/2010/main" val="1372003958"/>
+      </p:ext>
+    </p:extLst>
+  </p:cSld>
+  <p:clrMapOvr>
+    <a:masterClrMapping/>
+  </p:clrMapOvr>
+</p:sld>
+</file>
+
+<file path=ppt/slides/slide9.xml><?xml version="1.0" encoding="utf-8"?>
+<p:sld xmlns:a="http://schemas.openxmlformats.org/drawingml/2006/main" xmlns:r="http://schemas.openxmlformats.org/officeDocument/2006/relationships" xmlns:p="http://schemas.openxmlformats.org/presentationml/2006/main">
+  <p:cSld>
+    <p:spTree>
+      <p:nvGrpSpPr>
+        <p:cNvPr id="1" name=""/>
+        <p:cNvGrpSpPr/>
+        <p:nvPr/>
+      </p:nvGrpSpPr>
+      <p:grpSpPr>
+        <a:xfrm>
+          <a:off x="0" y="0"/>
+          <a:ext cx="0" cy="0"/>
+          <a:chOff x="0" y="0"/>
+          <a:chExt cx="0" cy="0"/>
+        </a:xfrm>
+      </p:grpSpPr>
+      <p:sp>
+        <p:nvSpPr>
+          <p:cNvPr id="2" name="Titel 1">
+            <a:extLst>
+              <a:ext uri="{FF2B5EF4-FFF2-40B4-BE49-F238E27FC236}">
+                <a16:creationId xmlns:a16="http://schemas.microsoft.com/office/drawing/2014/main" id="{48DA5BB7-4F29-4540-ADAD-7FB210F2FA34}"/>
+              </a:ext>
+            </a:extLst>
+          </p:cNvPr>
+          <p:cNvSpPr>
+            <a:spLocks noGrp="1"/>
+          </p:cNvSpPr>
+          <p:nvPr>
+            <p:ph type="title"/>
+          </p:nvPr>
+        </p:nvSpPr>
+        <p:spPr/>
+        <p:txBody>
+          <a:bodyPr/>
+          <a:lstStyle/>
+          <a:p>
+            <a:r>
+              <a:rPr lang="de-DE" dirty="0"/>
+              <a:t>Fazit</a:t>
+            </a:r>
+          </a:p>
+        </p:txBody>
+      </p:sp>
+      <p:sp>
+        <p:nvSpPr>
+          <p:cNvPr id="3" name="Inhaltsplatzhalter 2">
+            <a:extLst>
+              <a:ext uri="{FF2B5EF4-FFF2-40B4-BE49-F238E27FC236}">
+                <a16:creationId xmlns:a16="http://schemas.microsoft.com/office/drawing/2014/main" id="{D0F4209D-B013-4E37-92E9-F65435CAF443}"/>
+              </a:ext>
+            </a:extLst>
+          </p:cNvPr>
+          <p:cNvSpPr>
+            <a:spLocks noGrp="1"/>
+          </p:cNvSpPr>
+          <p:nvPr>
+            <p:ph sz="quarter" idx="13"/>
+          </p:nvPr>
+        </p:nvSpPr>
+        <p:spPr/>
+        <p:txBody>
+          <a:bodyPr/>
+          <a:lstStyle/>
+          <a:p>
+            <a:endParaRPr lang="de-DE"/>
+          </a:p>
+        </p:txBody>
+      </p:sp>
+      <p:sp>
+        <p:nvSpPr>
+          <p:cNvPr id="4" name="Datumsplatzhalter 3">
+            <a:extLst>
+              <a:ext uri="{FF2B5EF4-FFF2-40B4-BE49-F238E27FC236}">
+                <a16:creationId xmlns:a16="http://schemas.microsoft.com/office/drawing/2014/main" id="{EEA43CB3-D57E-40A8-ACC3-EB6F1C488E1C}"/>
+              </a:ext>
+            </a:extLst>
+          </p:cNvPr>
+          <p:cNvSpPr>
+            <a:spLocks noGrp="1"/>
+          </p:cNvSpPr>
+          <p:nvPr>
+            <p:ph type="dt" sz="half" idx="10"/>
+          </p:nvPr>
+        </p:nvSpPr>
+        <p:spPr/>
+        <p:txBody>
+          <a:bodyPr/>
+          <a:lstStyle/>
+          <a:p>
+            <a:fld id="{33AED3C8-2282-49E1-B2A4-F1731DA77500}" type="datetime1">
+              <a:rPr lang="de-DE" smtClean="0"/>
+              <a:t>22.08.2023</a:t>
+            </a:fld>
+            <a:endParaRPr lang="de-DE"/>
+          </a:p>
+        </p:txBody>
+      </p:sp>
+      <p:sp>
+        <p:nvSpPr>
+          <p:cNvPr id="5" name="Fußzeilenplatzhalter 4">
+            <a:extLst>
+              <a:ext uri="{FF2B5EF4-FFF2-40B4-BE49-F238E27FC236}">
+                <a16:creationId xmlns:a16="http://schemas.microsoft.com/office/drawing/2014/main" id="{79ABA254-6B48-4441-971D-6D9F476639AB}"/>
+              </a:ext>
+            </a:extLst>
+          </p:cNvPr>
+          <p:cNvSpPr>
+            <a:spLocks noGrp="1"/>
+          </p:cNvSpPr>
+          <p:nvPr>
+            <p:ph type="ftr" sz="quarter" idx="11"/>
+          </p:nvPr>
+        </p:nvSpPr>
+        <p:spPr/>
+        <p:txBody>
+          <a:bodyPr/>
+          <a:lstStyle/>
+          <a:p>
+            <a:r>
+              <a:rPr lang="de-DE"/>
+              <a:t>Entwicklung eines 2D – „Schiffe versenken“ Spiels zur Simulation einer Seeschlacht von Denis Ojdanic</a:t>
+            </a:r>
+          </a:p>
+        </p:txBody>
+      </p:sp>
+      <p:sp>
+        <p:nvSpPr>
+          <p:cNvPr id="6" name="Foliennummernplatzhalter 5">
+            <a:extLst>
+              <a:ext uri="{FF2B5EF4-FFF2-40B4-BE49-F238E27FC236}">
+                <a16:creationId xmlns:a16="http://schemas.microsoft.com/office/drawing/2014/main" id="{FCB7D4F1-195B-409C-A99B-BA75B6182102}"/>
+              </a:ext>
+            </a:extLst>
+          </p:cNvPr>
+          <p:cNvSpPr>
+            <a:spLocks noGrp="1"/>
+          </p:cNvSpPr>
+          <p:nvPr>
+            <p:ph type="sldNum" sz="quarter" idx="12"/>
+          </p:nvPr>
+        </p:nvSpPr>
+        <p:spPr/>
+        <p:txBody>
+          <a:bodyPr/>
+          <a:lstStyle/>
+          <a:p>
+            <a:fld id="{B6A80B7A-611C-43E0-A68D-9C97C7F7B967}" type="slidenum">
+              <a:rPr lang="de-DE" smtClean="0"/>
+              <a:t>9</a:t>
+            </a:fld>
+            <a:endParaRPr lang="de-DE"/>
+          </a:p>
+        </p:txBody>
+      </p:sp>
+    </p:spTree>
+    <p:extLst>
+      <p:ext uri="{BB962C8B-B14F-4D97-AF65-F5344CB8AC3E}">
+        <p14:creationId xmlns:p14="http://schemas.microsoft.com/office/powerpoint/2010/main" val="74010285"/>
       </p:ext>
     </p:extLst>
   </p:cSld>

--- a/Dokumente/Projektpräsentation.pptx
+++ b/Dokumente/Projektpräsentation.pptx
@@ -7959,7 +7959,7 @@
           <a:bodyPr/>
           <a:lstStyle/>
           <a:p>
-            <a:endParaRPr lang="de-DE"/>
+            <a:endParaRPr lang="de-DE" dirty="0"/>
           </a:p>
         </p:txBody>
       </p:sp>
@@ -8128,7 +8128,10 @@
           <a:bodyPr/>
           <a:lstStyle/>
           <a:p>
-            <a:endParaRPr lang="de-DE"/>
+            <a:r>
+              <a:rPr lang="de-DE" dirty="0"/>
+              <a:t>Alle Skizzen rein…</a:t>
+            </a:r>
           </a:p>
         </p:txBody>
       </p:sp>
@@ -8183,7 +8186,7 @@
           <a:lstStyle/>
           <a:p>
             <a:r>
-              <a:rPr lang="de-DE"/>
+              <a:rPr lang="de-DE" dirty="0"/>
               <a:t>Entwicklung eines 2D – „Schiffe versenken“ Spiels zur Simulation einer Seeschlacht von Denis Ojdanic</a:t>
             </a:r>
           </a:p>

--- a/Dokumente/Projektpräsentation.pptx
+++ b/Dokumente/Projektpräsentation.pptx
@@ -5,7 +5,7 @@
     <p:sldMasterId id="2147483697" r:id="rId1"/>
   </p:sldMasterIdLst>
   <p:notesMasterIdLst>
-    <p:notesMasterId r:id="rId12"/>
+    <p:notesMasterId r:id="rId13"/>
   </p:notesMasterIdLst>
   <p:sldIdLst>
     <p:sldId id="256" r:id="rId2"/>
@@ -13,11 +13,12 @@
     <p:sldId id="262" r:id="rId4"/>
     <p:sldId id="263" r:id="rId5"/>
     <p:sldId id="269" r:id="rId6"/>
-    <p:sldId id="264" r:id="rId7"/>
-    <p:sldId id="265" r:id="rId8"/>
-    <p:sldId id="266" r:id="rId9"/>
-    <p:sldId id="267" r:id="rId10"/>
-    <p:sldId id="268" r:id="rId11"/>
+    <p:sldId id="270" r:id="rId7"/>
+    <p:sldId id="264" r:id="rId8"/>
+    <p:sldId id="265" r:id="rId9"/>
+    <p:sldId id="266" r:id="rId10"/>
+    <p:sldId id="267" r:id="rId11"/>
+    <p:sldId id="268" r:id="rId12"/>
   </p:sldIdLst>
   <p:sldSz cx="12192000" cy="6858000"/>
   <p:notesSz cx="6858000" cy="9144000"/>
@@ -209,7 +210,7 @@
           <a:p>
             <a:fld id="{ADC25E09-F36A-47D9-8824-C6FCF888BB52}" type="datetimeFigureOut">
               <a:rPr lang="de-DE" smtClean="0"/>
-              <a:t>22.08.2023</a:t>
+              <a:t>23.08.2023</a:t>
             </a:fld>
             <a:endParaRPr lang="de-DE"/>
           </a:p>
@@ -614,6 +615,90 @@
           <a:bodyPr/>
           <a:lstStyle/>
           <a:p>
+            <a:endParaRPr lang="de-DE" dirty="0"/>
+          </a:p>
+        </p:txBody>
+      </p:sp>
+      <p:sp>
+        <p:nvSpPr>
+          <p:cNvPr id="4" name="Foliennummernplatzhalter 3"/>
+          <p:cNvSpPr>
+            <a:spLocks noGrp="1"/>
+          </p:cNvSpPr>
+          <p:nvPr>
+            <p:ph type="sldNum" sz="quarter" idx="5"/>
+          </p:nvPr>
+        </p:nvSpPr>
+        <p:spPr/>
+        <p:txBody>
+          <a:bodyPr/>
+          <a:lstStyle/>
+          <a:p>
+            <a:fld id="{CC70A7CA-8A40-4DA8-8033-3BB71F6F54CD}" type="slidenum">
+              <a:rPr lang="de-DE" smtClean="0"/>
+              <a:t>2</a:t>
+            </a:fld>
+            <a:endParaRPr lang="de-DE"/>
+          </a:p>
+        </p:txBody>
+      </p:sp>
+    </p:spTree>
+    <p:extLst>
+      <p:ext uri="{BB962C8B-B14F-4D97-AF65-F5344CB8AC3E}">
+        <p14:creationId xmlns:p14="http://schemas.microsoft.com/office/powerpoint/2010/main" val="1597302341"/>
+      </p:ext>
+    </p:extLst>
+  </p:cSld>
+  <p:clrMapOvr>
+    <a:masterClrMapping/>
+  </p:clrMapOvr>
+</p:notes>
+</file>
+
+<file path=ppt/notesSlides/notesSlide3.xml><?xml version="1.0" encoding="utf-8"?>
+<p:notes xmlns:a="http://schemas.openxmlformats.org/drawingml/2006/main" xmlns:r="http://schemas.openxmlformats.org/officeDocument/2006/relationships" xmlns:p="http://schemas.openxmlformats.org/presentationml/2006/main">
+  <p:cSld>
+    <p:spTree>
+      <p:nvGrpSpPr>
+        <p:cNvPr id="1" name=""/>
+        <p:cNvGrpSpPr/>
+        <p:nvPr/>
+      </p:nvGrpSpPr>
+      <p:grpSpPr>
+        <a:xfrm>
+          <a:off x="0" y="0"/>
+          <a:ext cx="0" cy="0"/>
+          <a:chOff x="0" y="0"/>
+          <a:chExt cx="0" cy="0"/>
+        </a:xfrm>
+      </p:grpSpPr>
+      <p:sp>
+        <p:nvSpPr>
+          <p:cNvPr id="2" name="Folienbildplatzhalter 1"/>
+          <p:cNvSpPr>
+            <a:spLocks noGrp="1" noRot="1" noChangeAspect="1"/>
+          </p:cNvSpPr>
+          <p:nvPr>
+            <p:ph type="sldImg"/>
+          </p:nvPr>
+        </p:nvSpPr>
+        <p:spPr/>
+      </p:sp>
+      <p:sp>
+        <p:nvSpPr>
+          <p:cNvPr id="3" name="Notizenplatzhalter 2"/>
+          <p:cNvSpPr>
+            <a:spLocks noGrp="1"/>
+          </p:cNvSpPr>
+          <p:nvPr>
+            <p:ph type="body" idx="1"/>
+          </p:nvPr>
+        </p:nvSpPr>
+        <p:spPr/>
+        <p:txBody>
+          <a:bodyPr/>
+          <a:lstStyle/>
+          <a:p>
             <a:r>
               <a:rPr lang="de-DE" dirty="0"/>
               <a:t>Warum Auftraggeber mich ausgesucht hat </a:t>
@@ -655,6 +740,261 @@
     <p:extLst>
       <p:ext uri="{BB962C8B-B14F-4D97-AF65-F5344CB8AC3E}">
         <p14:creationId xmlns:p14="http://schemas.microsoft.com/office/powerpoint/2010/main" val="3822426035"/>
+      </p:ext>
+    </p:extLst>
+  </p:cSld>
+  <p:clrMapOvr>
+    <a:masterClrMapping/>
+  </p:clrMapOvr>
+</p:notes>
+</file>
+
+<file path=ppt/notesSlides/notesSlide4.xml><?xml version="1.0" encoding="utf-8"?>
+<p:notes xmlns:a="http://schemas.openxmlformats.org/drawingml/2006/main" xmlns:r="http://schemas.openxmlformats.org/officeDocument/2006/relationships" xmlns:p="http://schemas.openxmlformats.org/presentationml/2006/main">
+  <p:cSld>
+    <p:spTree>
+      <p:nvGrpSpPr>
+        <p:cNvPr id="1" name=""/>
+        <p:cNvGrpSpPr/>
+        <p:nvPr/>
+      </p:nvGrpSpPr>
+      <p:grpSpPr>
+        <a:xfrm>
+          <a:off x="0" y="0"/>
+          <a:ext cx="0" cy="0"/>
+          <a:chOff x="0" y="0"/>
+          <a:chExt cx="0" cy="0"/>
+        </a:xfrm>
+      </p:grpSpPr>
+      <p:sp>
+        <p:nvSpPr>
+          <p:cNvPr id="2" name="Folienbildplatzhalter 1"/>
+          <p:cNvSpPr>
+            <a:spLocks noGrp="1" noRot="1" noChangeAspect="1"/>
+          </p:cNvSpPr>
+          <p:nvPr>
+            <p:ph type="sldImg"/>
+          </p:nvPr>
+        </p:nvSpPr>
+        <p:spPr/>
+      </p:sp>
+      <p:sp>
+        <p:nvSpPr>
+          <p:cNvPr id="3" name="Notizenplatzhalter 2"/>
+          <p:cNvSpPr>
+            <a:spLocks noGrp="1"/>
+          </p:cNvSpPr>
+          <p:nvPr>
+            <p:ph type="body" idx="1"/>
+          </p:nvPr>
+        </p:nvSpPr>
+        <p:spPr/>
+        <p:txBody>
+          <a:bodyPr/>
+          <a:lstStyle/>
+          <a:p>
+            <a:endParaRPr lang="de-DE" dirty="0"/>
+          </a:p>
+        </p:txBody>
+      </p:sp>
+      <p:sp>
+        <p:nvSpPr>
+          <p:cNvPr id="4" name="Foliennummernplatzhalter 3"/>
+          <p:cNvSpPr>
+            <a:spLocks noGrp="1"/>
+          </p:cNvSpPr>
+          <p:nvPr>
+            <p:ph type="sldNum" sz="quarter" idx="5"/>
+          </p:nvPr>
+        </p:nvSpPr>
+        <p:spPr/>
+        <p:txBody>
+          <a:bodyPr/>
+          <a:lstStyle/>
+          <a:p>
+            <a:fld id="{CC70A7CA-8A40-4DA8-8033-3BB71F6F54CD}" type="slidenum">
+              <a:rPr lang="de-DE" smtClean="0"/>
+              <a:t>5</a:t>
+            </a:fld>
+            <a:endParaRPr lang="de-DE"/>
+          </a:p>
+        </p:txBody>
+      </p:sp>
+    </p:spTree>
+    <p:extLst>
+      <p:ext uri="{BB962C8B-B14F-4D97-AF65-F5344CB8AC3E}">
+        <p14:creationId xmlns:p14="http://schemas.microsoft.com/office/powerpoint/2010/main" val="75128652"/>
+      </p:ext>
+    </p:extLst>
+  </p:cSld>
+  <p:clrMapOvr>
+    <a:masterClrMapping/>
+  </p:clrMapOvr>
+</p:notes>
+</file>
+
+<file path=ppt/notesSlides/notesSlide5.xml><?xml version="1.0" encoding="utf-8"?>
+<p:notes xmlns:a="http://schemas.openxmlformats.org/drawingml/2006/main" xmlns:r="http://schemas.openxmlformats.org/officeDocument/2006/relationships" xmlns:p="http://schemas.openxmlformats.org/presentationml/2006/main">
+  <p:cSld>
+    <p:spTree>
+      <p:nvGrpSpPr>
+        <p:cNvPr id="1" name=""/>
+        <p:cNvGrpSpPr/>
+        <p:nvPr/>
+      </p:nvGrpSpPr>
+      <p:grpSpPr>
+        <a:xfrm>
+          <a:off x="0" y="0"/>
+          <a:ext cx="0" cy="0"/>
+          <a:chOff x="0" y="0"/>
+          <a:chExt cx="0" cy="0"/>
+        </a:xfrm>
+      </p:grpSpPr>
+      <p:sp>
+        <p:nvSpPr>
+          <p:cNvPr id="2" name="Folienbildplatzhalter 1"/>
+          <p:cNvSpPr>
+            <a:spLocks noGrp="1" noRot="1" noChangeAspect="1"/>
+          </p:cNvSpPr>
+          <p:nvPr>
+            <p:ph type="sldImg"/>
+          </p:nvPr>
+        </p:nvSpPr>
+        <p:spPr/>
+      </p:sp>
+      <p:sp>
+        <p:nvSpPr>
+          <p:cNvPr id="3" name="Notizenplatzhalter 2"/>
+          <p:cNvSpPr>
+            <a:spLocks noGrp="1"/>
+          </p:cNvSpPr>
+          <p:nvPr>
+            <p:ph type="body" idx="1"/>
+          </p:nvPr>
+        </p:nvSpPr>
+        <p:spPr/>
+        <p:txBody>
+          <a:bodyPr/>
+          <a:lstStyle/>
+          <a:p>
+            <a:endParaRPr lang="de-DE" dirty="0"/>
+          </a:p>
+        </p:txBody>
+      </p:sp>
+      <p:sp>
+        <p:nvSpPr>
+          <p:cNvPr id="4" name="Foliennummernplatzhalter 3"/>
+          <p:cNvSpPr>
+            <a:spLocks noGrp="1"/>
+          </p:cNvSpPr>
+          <p:nvPr>
+            <p:ph type="sldNum" sz="quarter" idx="5"/>
+          </p:nvPr>
+        </p:nvSpPr>
+        <p:spPr/>
+        <p:txBody>
+          <a:bodyPr/>
+          <a:lstStyle/>
+          <a:p>
+            <a:fld id="{CC70A7CA-8A40-4DA8-8033-3BB71F6F54CD}" type="slidenum">
+              <a:rPr lang="de-DE" smtClean="0"/>
+              <a:t>9</a:t>
+            </a:fld>
+            <a:endParaRPr lang="de-DE"/>
+          </a:p>
+        </p:txBody>
+      </p:sp>
+    </p:spTree>
+    <p:extLst>
+      <p:ext uri="{BB962C8B-B14F-4D97-AF65-F5344CB8AC3E}">
+        <p14:creationId xmlns:p14="http://schemas.microsoft.com/office/powerpoint/2010/main" val="3100116217"/>
+      </p:ext>
+    </p:extLst>
+  </p:cSld>
+  <p:clrMapOvr>
+    <a:masterClrMapping/>
+  </p:clrMapOvr>
+</p:notes>
+</file>
+
+<file path=ppt/notesSlides/notesSlide6.xml><?xml version="1.0" encoding="utf-8"?>
+<p:notes xmlns:a="http://schemas.openxmlformats.org/drawingml/2006/main" xmlns:r="http://schemas.openxmlformats.org/officeDocument/2006/relationships" xmlns:p="http://schemas.openxmlformats.org/presentationml/2006/main">
+  <p:cSld>
+    <p:spTree>
+      <p:nvGrpSpPr>
+        <p:cNvPr id="1" name=""/>
+        <p:cNvGrpSpPr/>
+        <p:nvPr/>
+      </p:nvGrpSpPr>
+      <p:grpSpPr>
+        <a:xfrm>
+          <a:off x="0" y="0"/>
+          <a:ext cx="0" cy="0"/>
+          <a:chOff x="0" y="0"/>
+          <a:chExt cx="0" cy="0"/>
+        </a:xfrm>
+      </p:grpSpPr>
+      <p:sp>
+        <p:nvSpPr>
+          <p:cNvPr id="2" name="Folienbildplatzhalter 1"/>
+          <p:cNvSpPr>
+            <a:spLocks noGrp="1" noRot="1" noChangeAspect="1"/>
+          </p:cNvSpPr>
+          <p:nvPr>
+            <p:ph type="sldImg"/>
+          </p:nvPr>
+        </p:nvSpPr>
+        <p:spPr/>
+      </p:sp>
+      <p:sp>
+        <p:nvSpPr>
+          <p:cNvPr id="3" name="Notizenplatzhalter 2"/>
+          <p:cNvSpPr>
+            <a:spLocks noGrp="1"/>
+          </p:cNvSpPr>
+          <p:nvPr>
+            <p:ph type="body" idx="1"/>
+          </p:nvPr>
+        </p:nvSpPr>
+        <p:spPr/>
+        <p:txBody>
+          <a:bodyPr/>
+          <a:lstStyle/>
+          <a:p>
+            <a:r>
+              <a:rPr lang="de-DE" dirty="0"/>
+              <a:t>Nur Quellen für die Präsentation allein, nicht Dokumentation</a:t>
+            </a:r>
+          </a:p>
+        </p:txBody>
+      </p:sp>
+      <p:sp>
+        <p:nvSpPr>
+          <p:cNvPr id="4" name="Foliennummernplatzhalter 3"/>
+          <p:cNvSpPr>
+            <a:spLocks noGrp="1"/>
+          </p:cNvSpPr>
+          <p:nvPr>
+            <p:ph type="sldNum" sz="quarter" idx="5"/>
+          </p:nvPr>
+        </p:nvSpPr>
+        <p:spPr/>
+        <p:txBody>
+          <a:bodyPr/>
+          <a:lstStyle/>
+          <a:p>
+            <a:fld id="{CC70A7CA-8A40-4DA8-8033-3BB71F6F54CD}" type="slidenum">
+              <a:rPr lang="de-DE" smtClean="0"/>
+              <a:t>11</a:t>
+            </a:fld>
+            <a:endParaRPr lang="de-DE"/>
+          </a:p>
+        </p:txBody>
+      </p:sp>
+    </p:spTree>
+    <p:extLst>
+      <p:ext uri="{BB962C8B-B14F-4D97-AF65-F5344CB8AC3E}">
+        <p14:creationId xmlns:p14="http://schemas.microsoft.com/office/powerpoint/2010/main" val="924559114"/>
       </p:ext>
     </p:extLst>
   </p:cSld>
@@ -835,7 +1175,7 @@
           <a:p>
             <a:fld id="{54F4F25A-280B-48AD-B7B8-05BAB8B72AF9}" type="datetime1">
               <a:rPr lang="de-DE" smtClean="0"/>
-              <a:t>22.08.2023</a:t>
+              <a:t>23.08.2023</a:t>
             </a:fld>
             <a:endParaRPr lang="de-DE"/>
           </a:p>
@@ -1153,7 +1493,7 @@
           <a:p>
             <a:fld id="{7A2BC273-7793-4B58-83B9-897B715A6B65}" type="datetime1">
               <a:rPr lang="de-DE" smtClean="0"/>
-              <a:t>22.08.2023</a:t>
+              <a:t>23.08.2023</a:t>
             </a:fld>
             <a:endParaRPr lang="de-DE"/>
           </a:p>
@@ -1378,7 +1718,7 @@
           <a:p>
             <a:fld id="{96306E31-9C14-4B17-8239-630325395DEF}" type="datetime1">
               <a:rPr lang="de-DE" smtClean="0"/>
-              <a:t>22.08.2023</a:t>
+              <a:t>23.08.2023</a:t>
             </a:fld>
             <a:endParaRPr lang="de-DE"/>
           </a:p>
@@ -1672,7 +2012,7 @@
           <a:p>
             <a:fld id="{4E2A68E7-D889-4A43-AA85-3F75FD767A8E}" type="datetime1">
               <a:rPr lang="de-DE" smtClean="0"/>
-              <a:t>22.08.2023</a:t>
+              <a:t>23.08.2023</a:t>
             </a:fld>
             <a:endParaRPr lang="de-DE"/>
           </a:p>
@@ -2129,7 +2469,7 @@
           <a:p>
             <a:fld id="{A04A8BC3-42D6-4801-A46C-3EF1D350210E}" type="datetime1">
               <a:rPr lang="de-DE" smtClean="0"/>
-              <a:t>22.08.2023</a:t>
+              <a:t>23.08.2023</a:t>
             </a:fld>
             <a:endParaRPr lang="de-DE"/>
           </a:p>
@@ -2708,7 +3048,7 @@
           <a:p>
             <a:fld id="{8F3964FB-FE9F-4390-922E-BC8A153C729E}" type="datetime1">
               <a:rPr lang="de-DE" smtClean="0"/>
-              <a:t>22.08.2023</a:t>
+              <a:t>23.08.2023</a:t>
             </a:fld>
             <a:endParaRPr lang="de-DE"/>
           </a:p>
@@ -3572,7 +3912,7 @@
           <a:p>
             <a:fld id="{5E53F432-BB66-4AE7-AA91-18692C304808}" type="datetime1">
               <a:rPr lang="de-DE" smtClean="0"/>
-              <a:t>22.08.2023</a:t>
+              <a:t>23.08.2023</a:t>
             </a:fld>
             <a:endParaRPr lang="de-DE"/>
           </a:p>
@@ -3780,7 +4120,7 @@
           <a:p>
             <a:fld id="{0C017460-DDC5-4E4C-8910-4DDE24DA9ECF}" type="datetime1">
               <a:rPr lang="de-DE" smtClean="0"/>
-              <a:t>22.08.2023</a:t>
+              <a:t>23.08.2023</a:t>
             </a:fld>
             <a:endParaRPr lang="de-DE"/>
           </a:p>
@@ -3997,7 +4337,7 @@
           <a:p>
             <a:fld id="{A74FBB5C-17B7-4792-89AF-B8A016EE63CE}" type="datetime1">
               <a:rPr lang="de-DE" smtClean="0"/>
-              <a:t>22.08.2023</a:t>
+              <a:t>23.08.2023</a:t>
             </a:fld>
             <a:endParaRPr lang="de-DE"/>
           </a:p>
@@ -4210,7 +4550,7 @@
           <a:p>
             <a:fld id="{8572A4A3-D06D-45F2-A4F4-348ED7350600}" type="datetime1">
               <a:rPr lang="de-DE" smtClean="0"/>
-              <a:t>22.08.2023</a:t>
+              <a:t>23.08.2023</a:t>
             </a:fld>
             <a:endParaRPr lang="de-DE"/>
           </a:p>
@@ -4493,7 +4833,7 @@
           <a:p>
             <a:fld id="{FFFC2A57-C381-4262-8AE3-700CB5F3A682}" type="datetime1">
               <a:rPr lang="de-DE" smtClean="0"/>
-              <a:t>22.08.2023</a:t>
+              <a:t>23.08.2023</a:t>
             </a:fld>
             <a:endParaRPr lang="de-DE"/>
           </a:p>
@@ -4763,7 +5103,7 @@
           <a:p>
             <a:fld id="{DBE15BD0-BA7F-4172-BFD8-DE5FD18B215E}" type="datetime1">
               <a:rPr lang="de-DE" smtClean="0"/>
-              <a:t>22.08.2023</a:t>
+              <a:t>23.08.2023</a:t>
             </a:fld>
             <a:endParaRPr lang="de-DE"/>
           </a:p>
@@ -5181,7 +5521,7 @@
           <a:p>
             <a:fld id="{93E24929-F3C7-4A0C-BFB1-3BF1DF1FFD02}" type="datetime1">
               <a:rPr lang="de-DE" smtClean="0"/>
-              <a:t>22.08.2023</a:t>
+              <a:t>23.08.2023</a:t>
             </a:fld>
             <a:endParaRPr lang="de-DE"/>
           </a:p>
@@ -5332,7 +5672,7 @@
           <a:p>
             <a:fld id="{91D08588-3DAC-44B1-94F1-573C9FD3D023}" type="datetime1">
               <a:rPr lang="de-DE" smtClean="0"/>
-              <a:t>22.08.2023</a:t>
+              <a:t>23.08.2023</a:t>
             </a:fld>
             <a:endParaRPr lang="de-DE"/>
           </a:p>
@@ -5460,7 +5800,7 @@
           <a:p>
             <a:fld id="{07B96FA7-1D37-496A-A4D2-5C746DF1211C}" type="datetime1">
               <a:rPr lang="de-DE" smtClean="0"/>
-              <a:t>22.08.2023</a:t>
+              <a:t>23.08.2023</a:t>
             </a:fld>
             <a:endParaRPr lang="de-DE"/>
           </a:p>
@@ -5742,7 +6082,7 @@
           <a:p>
             <a:fld id="{71FD3FE7-2882-42A7-BB32-5A6367CBDA45}" type="datetime1">
               <a:rPr lang="de-DE" smtClean="0"/>
-              <a:t>22.08.2023</a:t>
+              <a:t>23.08.2023</a:t>
             </a:fld>
             <a:endParaRPr lang="de-DE"/>
           </a:p>
@@ -6060,7 +6400,7 @@
           <a:p>
             <a:fld id="{5F800F1A-B4D2-4D1A-AB12-CAB85F7F8FEC}" type="datetime1">
               <a:rPr lang="de-DE" smtClean="0"/>
-              <a:t>22.08.2023</a:t>
+              <a:t>23.08.2023</a:t>
             </a:fld>
             <a:endParaRPr lang="de-DE"/>
           </a:p>
@@ -6371,7 +6711,7 @@
           <a:p>
             <a:fld id="{38790068-0882-4217-A6C0-4EF73D8B28AE}" type="datetime1">
               <a:rPr lang="de-DE" smtClean="0"/>
-              <a:t>22.08.2023</a:t>
+              <a:t>23.08.2023</a:t>
             </a:fld>
             <a:endParaRPr lang="de-DE"/>
           </a:p>
@@ -7090,6 +7430,175 @@
           <p:cNvPr id="2" name="Titel 1">
             <a:extLst>
               <a:ext uri="{FF2B5EF4-FFF2-40B4-BE49-F238E27FC236}">
+                <a16:creationId xmlns:a16="http://schemas.microsoft.com/office/drawing/2014/main" id="{48DA5BB7-4F29-4540-ADAD-7FB210F2FA34}"/>
+              </a:ext>
+            </a:extLst>
+          </p:cNvPr>
+          <p:cNvSpPr>
+            <a:spLocks noGrp="1"/>
+          </p:cNvSpPr>
+          <p:nvPr>
+            <p:ph type="title"/>
+          </p:nvPr>
+        </p:nvSpPr>
+        <p:spPr/>
+        <p:txBody>
+          <a:bodyPr/>
+          <a:lstStyle/>
+          <a:p>
+            <a:r>
+              <a:rPr lang="de-DE" dirty="0"/>
+              <a:t>Fazit</a:t>
+            </a:r>
+          </a:p>
+        </p:txBody>
+      </p:sp>
+      <p:sp>
+        <p:nvSpPr>
+          <p:cNvPr id="3" name="Inhaltsplatzhalter 2">
+            <a:extLst>
+              <a:ext uri="{FF2B5EF4-FFF2-40B4-BE49-F238E27FC236}">
+                <a16:creationId xmlns:a16="http://schemas.microsoft.com/office/drawing/2014/main" id="{D0F4209D-B013-4E37-92E9-F65435CAF443}"/>
+              </a:ext>
+            </a:extLst>
+          </p:cNvPr>
+          <p:cNvSpPr>
+            <a:spLocks noGrp="1"/>
+          </p:cNvSpPr>
+          <p:nvPr>
+            <p:ph sz="quarter" idx="13"/>
+          </p:nvPr>
+        </p:nvSpPr>
+        <p:spPr/>
+        <p:txBody>
+          <a:bodyPr/>
+          <a:lstStyle/>
+          <a:p>
+            <a:endParaRPr lang="de-DE"/>
+          </a:p>
+        </p:txBody>
+      </p:sp>
+      <p:sp>
+        <p:nvSpPr>
+          <p:cNvPr id="4" name="Datumsplatzhalter 3">
+            <a:extLst>
+              <a:ext uri="{FF2B5EF4-FFF2-40B4-BE49-F238E27FC236}">
+                <a16:creationId xmlns:a16="http://schemas.microsoft.com/office/drawing/2014/main" id="{EEA43CB3-D57E-40A8-ACC3-EB6F1C488E1C}"/>
+              </a:ext>
+            </a:extLst>
+          </p:cNvPr>
+          <p:cNvSpPr>
+            <a:spLocks noGrp="1"/>
+          </p:cNvSpPr>
+          <p:nvPr>
+            <p:ph type="dt" sz="half" idx="10"/>
+          </p:nvPr>
+        </p:nvSpPr>
+        <p:spPr/>
+        <p:txBody>
+          <a:bodyPr/>
+          <a:lstStyle/>
+          <a:p>
+            <a:fld id="{33AED3C8-2282-49E1-B2A4-F1731DA77500}" type="datetime1">
+              <a:rPr lang="de-DE" smtClean="0"/>
+              <a:t>23.08.2023</a:t>
+            </a:fld>
+            <a:endParaRPr lang="de-DE"/>
+          </a:p>
+        </p:txBody>
+      </p:sp>
+      <p:sp>
+        <p:nvSpPr>
+          <p:cNvPr id="5" name="Fußzeilenplatzhalter 4">
+            <a:extLst>
+              <a:ext uri="{FF2B5EF4-FFF2-40B4-BE49-F238E27FC236}">
+                <a16:creationId xmlns:a16="http://schemas.microsoft.com/office/drawing/2014/main" id="{79ABA254-6B48-4441-971D-6D9F476639AB}"/>
+              </a:ext>
+            </a:extLst>
+          </p:cNvPr>
+          <p:cNvSpPr>
+            <a:spLocks noGrp="1"/>
+          </p:cNvSpPr>
+          <p:nvPr>
+            <p:ph type="ftr" sz="quarter" idx="11"/>
+          </p:nvPr>
+        </p:nvSpPr>
+        <p:spPr/>
+        <p:txBody>
+          <a:bodyPr/>
+          <a:lstStyle/>
+          <a:p>
+            <a:r>
+              <a:rPr lang="de-DE"/>
+              <a:t>Entwicklung eines 2D – „Schiffe versenken“ Spiels zur Simulation einer Seeschlacht von Denis Ojdanic</a:t>
+            </a:r>
+          </a:p>
+        </p:txBody>
+      </p:sp>
+      <p:sp>
+        <p:nvSpPr>
+          <p:cNvPr id="6" name="Foliennummernplatzhalter 5">
+            <a:extLst>
+              <a:ext uri="{FF2B5EF4-FFF2-40B4-BE49-F238E27FC236}">
+                <a16:creationId xmlns:a16="http://schemas.microsoft.com/office/drawing/2014/main" id="{FCB7D4F1-195B-409C-A99B-BA75B6182102}"/>
+              </a:ext>
+            </a:extLst>
+          </p:cNvPr>
+          <p:cNvSpPr>
+            <a:spLocks noGrp="1"/>
+          </p:cNvSpPr>
+          <p:nvPr>
+            <p:ph type="sldNum" sz="quarter" idx="12"/>
+          </p:nvPr>
+        </p:nvSpPr>
+        <p:spPr/>
+        <p:txBody>
+          <a:bodyPr/>
+          <a:lstStyle/>
+          <a:p>
+            <a:fld id="{B6A80B7A-611C-43E0-A68D-9C97C7F7B967}" type="slidenum">
+              <a:rPr lang="de-DE" smtClean="0"/>
+              <a:t>10</a:t>
+            </a:fld>
+            <a:endParaRPr lang="de-DE"/>
+          </a:p>
+        </p:txBody>
+      </p:sp>
+    </p:spTree>
+    <p:extLst>
+      <p:ext uri="{BB962C8B-B14F-4D97-AF65-F5344CB8AC3E}">
+        <p14:creationId xmlns:p14="http://schemas.microsoft.com/office/powerpoint/2010/main" val="74010285"/>
+      </p:ext>
+    </p:extLst>
+  </p:cSld>
+  <p:clrMapOvr>
+    <a:masterClrMapping/>
+  </p:clrMapOvr>
+</p:sld>
+</file>
+
+<file path=ppt/slides/slide11.xml><?xml version="1.0" encoding="utf-8"?>
+<p:sld xmlns:a="http://schemas.openxmlformats.org/drawingml/2006/main" xmlns:r="http://schemas.openxmlformats.org/officeDocument/2006/relationships" xmlns:p="http://schemas.openxmlformats.org/presentationml/2006/main">
+  <p:cSld>
+    <p:spTree>
+      <p:nvGrpSpPr>
+        <p:cNvPr id="1" name=""/>
+        <p:cNvGrpSpPr/>
+        <p:nvPr/>
+      </p:nvGrpSpPr>
+      <p:grpSpPr>
+        <a:xfrm>
+          <a:off x="0" y="0"/>
+          <a:ext cx="0" cy="0"/>
+          <a:chOff x="0" y="0"/>
+          <a:chExt cx="0" cy="0"/>
+        </a:xfrm>
+      </p:grpSpPr>
+      <p:sp>
+        <p:nvSpPr>
+          <p:cNvPr id="2" name="Titel 1">
+            <a:extLst>
+              <a:ext uri="{FF2B5EF4-FFF2-40B4-BE49-F238E27FC236}">
                 <a16:creationId xmlns:a16="http://schemas.microsoft.com/office/drawing/2014/main" id="{E109229F-60BB-488E-9168-09B1DDE8DA84}"/>
               </a:ext>
             </a:extLst>
@@ -7131,10 +7640,45 @@
         </p:nvSpPr>
         <p:spPr/>
         <p:txBody>
-          <a:bodyPr/>
-          <a:lstStyle/>
-          <a:p>
-            <a:endParaRPr lang="de-DE"/>
+          <a:bodyPr>
+            <a:normAutofit/>
+          </a:bodyPr>
+          <a:lstStyle/>
+          <a:p>
+            <a:r>
+              <a:rPr lang="de-DE" sz="1600" dirty="0">
+                <a:highlight>
+                  <a:srgbClr val="FFFF00"/>
+                </a:highlight>
+              </a:rPr>
+              <a:t>Programmablaufpläne erstellt mit PAP Designer</a:t>
+            </a:r>
+          </a:p>
+          <a:p>
+            <a:r>
+              <a:rPr lang="de-DE" sz="1600" dirty="0"/>
+              <a:t>Demonstrationsvideo erstellt mit Open </a:t>
+            </a:r>
+            <a:r>
+              <a:rPr lang="de-DE" sz="1600" dirty="0" err="1"/>
+              <a:t>Broadcaster</a:t>
+            </a:r>
+            <a:r>
+              <a:rPr lang="de-DE" sz="1600" dirty="0"/>
+              <a:t> Software</a:t>
+            </a:r>
+            <a:r>
+              <a:rPr lang="de-DE" sz="1600" baseline="30000" dirty="0"/>
+              <a:t>®️</a:t>
+            </a:r>
+            <a:endParaRPr lang="de-DE" sz="1600" dirty="0"/>
+          </a:p>
+          <a:p>
+            <a:r>
+              <a:rPr lang="de-DE" sz="1600" dirty="0" err="1"/>
+              <a:t>Usw</a:t>
+            </a:r>
+            <a:endParaRPr lang="de-DE" sz="1600" dirty="0"/>
           </a:p>
         </p:txBody>
       </p:sp>
@@ -7161,7 +7705,7 @@
           <a:p>
             <a:fld id="{DC2E460A-31D6-4295-8454-487389ED80B2}" type="datetime1">
               <a:rPr lang="de-DE" smtClean="0"/>
-              <a:t>22.08.2023</a:t>
+              <a:t>23.08.2023</a:t>
             </a:fld>
             <a:endParaRPr lang="de-DE"/>
           </a:p>
@@ -7218,7 +7762,7 @@
           <a:p>
             <a:fld id="{B6A80B7A-611C-43E0-A68D-9C97C7F7B967}" type="slidenum">
               <a:rPr lang="de-DE" smtClean="0"/>
-              <a:t>10</a:t>
+              <a:t>11</a:t>
             </a:fld>
             <a:endParaRPr lang="de-DE"/>
           </a:p>
@@ -7344,6 +7888,16 @@
               <a:t>Fazit</a:t>
             </a:r>
           </a:p>
+          <a:p>
+            <a:r>
+              <a:rPr lang="de-DE" dirty="0">
+                <a:highlight>
+                  <a:srgbClr val="FFFF00"/>
+                </a:highlight>
+              </a:rPr>
+              <a:t>Demonstrationsvideo</a:t>
+            </a:r>
+          </a:p>
         </p:txBody>
       </p:sp>
       <p:sp>
@@ -7369,7 +7923,7 @@
           <a:p>
             <a:fld id="{5A282FE3-3930-47E8-8F00-5F7DDFB2B2FF}" type="datetime1">
               <a:rPr lang="de-DE" smtClean="0"/>
-              <a:t>22.08.2023</a:t>
+              <a:t>23.08.2023</a:t>
             </a:fld>
             <a:endParaRPr lang="de-DE"/>
           </a:p>
@@ -7616,7 +8170,7 @@
           <a:p>
             <a:fld id="{9121658D-93A0-499A-8F0C-A8AFDD89FD51}" type="datetime1">
               <a:rPr lang="de-DE" smtClean="0"/>
-              <a:t>22.08.2023</a:t>
+              <a:t>23.08.2023</a:t>
             </a:fld>
             <a:endParaRPr lang="de-DE" dirty="0"/>
           </a:p>
@@ -7817,7 +8371,7 @@
           <a:p>
             <a:fld id="{022EE025-C144-4848-A13E-DCCBAFF8D0E8}" type="datetime1">
               <a:rPr lang="de-DE" smtClean="0"/>
-              <a:t>22.08.2023</a:t>
+              <a:t>23.08.2023</a:t>
             </a:fld>
             <a:endParaRPr lang="de-DE"/>
           </a:p>
@@ -7956,10 +8510,62 @@
         </p:nvSpPr>
         <p:spPr/>
         <p:txBody>
-          <a:bodyPr/>
-          <a:lstStyle/>
+          <a:bodyPr>
+            <a:normAutofit/>
+          </a:bodyPr>
+          <a:lstStyle/>
+          <a:p>
+            <a:r>
+              <a:rPr lang="de-DE" dirty="0"/>
+              <a:t>Entwicklung eines „Schiffe versenken“-Spiels</a:t>
+            </a:r>
+          </a:p>
+          <a:p>
+            <a:r>
+              <a:rPr lang="de-DE" dirty="0"/>
+              <a:t>Motorisch eingeschränkte Schüler als Benutzer</a:t>
+            </a:r>
+          </a:p>
+          <a:p>
+            <a:r>
+              <a:rPr lang="de-DE" dirty="0"/>
+              <a:t>Schüler-PCs durch Zugriff auf Webserver der </a:t>
+            </a:r>
+            <a:r>
+              <a:rPr lang="de-DE" dirty="0" err="1"/>
+              <a:t>Ojde</a:t>
+            </a:r>
+            <a:r>
+              <a:rPr lang="de-DE" dirty="0"/>
+              <a:t>-Schule</a:t>
+            </a:r>
+          </a:p>
+          <a:p>
+            <a:r>
+              <a:rPr lang="de-DE" dirty="0"/>
+              <a:t>Browser Mozilla Firefox und Google Chrome</a:t>
+            </a:r>
+          </a:p>
+          <a:p>
+            <a:r>
+              <a:rPr lang="de-DE" dirty="0"/>
+              <a:t>Demoversion für nur ein Spielvorgang</a:t>
+            </a:r>
+          </a:p>
           <a:p>
             <a:endParaRPr lang="de-DE" dirty="0"/>
+          </a:p>
+          <a:p>
+            <a:r>
+              <a:rPr lang="de-DE" dirty="0"/>
+              <a:t>Verbesserung der motorischen Fähigkeiten der Schüler auf lange Sicht</a:t>
+            </a:r>
+          </a:p>
+          <a:p>
+            <a:r>
+              <a:rPr lang="de-DE" dirty="0"/>
+              <a:t>Bedienung des Spiels mit Computer Maus</a:t>
+            </a:r>
           </a:p>
         </p:txBody>
       </p:sp>
@@ -7986,7 +8592,7 @@
           <a:p>
             <a:fld id="{8572A4A3-D06D-45F2-A4F4-348ED7350600}" type="datetime1">
               <a:rPr lang="de-DE" smtClean="0"/>
-              <a:t>22.08.2023</a:t>
+              <a:t>23.08.2023</a:t>
             </a:fld>
             <a:endParaRPr lang="de-DE"/>
           </a:p>
@@ -8084,7 +8690,7 @@
           <p:cNvPr id="2" name="Titel 1">
             <a:extLst>
               <a:ext uri="{FF2B5EF4-FFF2-40B4-BE49-F238E27FC236}">
-                <a16:creationId xmlns:a16="http://schemas.microsoft.com/office/drawing/2014/main" id="{69E165F1-DE77-4B90-972A-54D85BE574B6}"/>
+                <a16:creationId xmlns:a16="http://schemas.microsoft.com/office/drawing/2014/main" id="{23E8C1EB-0DB7-4C6D-BC90-8D18CDC2BA04}"/>
               </a:ext>
             </a:extLst>
           </p:cNvPr>
@@ -8102,7 +8708,7 @@
           <a:p>
             <a:r>
               <a:rPr lang="de-DE" dirty="0"/>
-              <a:t>Planung</a:t>
+              <a:t>Projektziel</a:t>
             </a:r>
           </a:p>
         </p:txBody>
@@ -8112,7 +8718,7 @@
           <p:cNvPr id="3" name="Inhaltsplatzhalter 2">
             <a:extLst>
               <a:ext uri="{FF2B5EF4-FFF2-40B4-BE49-F238E27FC236}">
-                <a16:creationId xmlns:a16="http://schemas.microsoft.com/office/drawing/2014/main" id="{FEBEA2EB-2914-4E90-95F5-6F5ABDA727A8}"/>
+                <a16:creationId xmlns:a16="http://schemas.microsoft.com/office/drawing/2014/main" id="{F04B2CBA-3B32-4CFF-AA2C-6F3F706E917F}"/>
               </a:ext>
             </a:extLst>
           </p:cNvPr>
@@ -8123,15 +8729,46 @@
             <p:ph sz="quarter" idx="13"/>
           </p:nvPr>
         </p:nvSpPr>
-        <p:spPr/>
-        <p:txBody>
-          <a:bodyPr/>
-          <a:lstStyle/>
-          <a:p>
-            <a:r>
-              <a:rPr lang="de-DE" dirty="0"/>
-              <a:t>Alle Skizzen rein…</a:t>
-            </a:r>
+        <p:spPr>
+          <a:xfrm>
+            <a:off x="913774" y="1452694"/>
+            <a:ext cx="5182226" cy="4338506"/>
+          </a:xfrm>
+        </p:spPr>
+        <p:txBody>
+          <a:bodyPr/>
+          <a:lstStyle/>
+          <a:p>
+            <a:pPr marL="0" indent="0" algn="ctr">
+              <a:buNone/>
+            </a:pPr>
+            <a:r>
+              <a:rPr lang="de-DE" sz="2400" u="sng" dirty="0"/>
+              <a:t>Features</a:t>
+            </a:r>
+            <a:endParaRPr lang="de-DE" sz="2400" dirty="0"/>
+          </a:p>
+          <a:p>
+            <a:endParaRPr lang="de-DE" sz="1600" dirty="0"/>
+          </a:p>
+          <a:p>
+            <a:r>
+              <a:rPr lang="de-DE" sz="1600" dirty="0"/>
+              <a:t>Spieler gegen Spieler</a:t>
+            </a:r>
+          </a:p>
+          <a:p>
+            <a:r>
+              <a:rPr lang="de-DE" sz="1600" dirty="0"/>
+              <a:t>Online über einen Webserver nutzbar</a:t>
+            </a:r>
+          </a:p>
+          <a:p>
+            <a:r>
+              <a:rPr lang="de-DE" sz="1600" dirty="0"/>
+              <a:t>Statistik für Züge, Trefferquoten und verlorene Schiffe</a:t>
+            </a:r>
+            <a:endParaRPr lang="de-DE" dirty="0"/>
           </a:p>
         </p:txBody>
       </p:sp>
@@ -8140,7 +8777,7 @@
           <p:cNvPr id="4" name="Datumsplatzhalter 3">
             <a:extLst>
               <a:ext uri="{FF2B5EF4-FFF2-40B4-BE49-F238E27FC236}">
-                <a16:creationId xmlns:a16="http://schemas.microsoft.com/office/drawing/2014/main" id="{F62EBD92-D3FC-4C2D-93B9-6081635FCD78}"/>
+                <a16:creationId xmlns:a16="http://schemas.microsoft.com/office/drawing/2014/main" id="{65988F85-AB88-49DF-919D-79DCD2C3B261}"/>
               </a:ext>
             </a:extLst>
           </p:cNvPr>
@@ -8156,9 +8793,9 @@
           <a:bodyPr/>
           <a:lstStyle/>
           <a:p>
-            <a:fld id="{2203D72D-935C-4722-8BA8-B4E10C205C6E}" type="datetime1">
+            <a:fld id="{8572A4A3-D06D-45F2-A4F4-348ED7350600}" type="datetime1">
               <a:rPr lang="de-DE" smtClean="0"/>
-              <a:t>22.08.2023</a:t>
+              <a:t>23.08.2023</a:t>
             </a:fld>
             <a:endParaRPr lang="de-DE"/>
           </a:p>
@@ -8169,7 +8806,7 @@
           <p:cNvPr id="5" name="Fußzeilenplatzhalter 4">
             <a:extLst>
               <a:ext uri="{FF2B5EF4-FFF2-40B4-BE49-F238E27FC236}">
-                <a16:creationId xmlns:a16="http://schemas.microsoft.com/office/drawing/2014/main" id="{E6139F8B-2711-413F-9AA2-B43A94011FEA}"/>
+                <a16:creationId xmlns:a16="http://schemas.microsoft.com/office/drawing/2014/main" id="{078E03DB-44AD-4239-A820-3C18F3E2F1CC}"/>
               </a:ext>
             </a:extLst>
           </p:cNvPr>
@@ -8186,7 +8823,7 @@
           <a:lstStyle/>
           <a:p>
             <a:r>
-              <a:rPr lang="de-DE" dirty="0"/>
+              <a:rPr lang="de-DE"/>
               <a:t>Entwicklung eines 2D – „Schiffe versenken“ Spiels zur Simulation einer Seeschlacht von Denis Ojdanic</a:t>
             </a:r>
           </a:p>
@@ -8197,7 +8834,7 @@
           <p:cNvPr id="6" name="Foliennummernplatzhalter 5">
             <a:extLst>
               <a:ext uri="{FF2B5EF4-FFF2-40B4-BE49-F238E27FC236}">
-                <a16:creationId xmlns:a16="http://schemas.microsoft.com/office/drawing/2014/main" id="{58D784A9-A29D-4452-A5BF-2FE9CA4E38A0}"/>
+                <a16:creationId xmlns:a16="http://schemas.microsoft.com/office/drawing/2014/main" id="{61F908F1-E0A3-47EE-8F18-E33A1E9F070F}"/>
               </a:ext>
             </a:extLst>
           </p:cNvPr>
@@ -8221,10 +8858,326 @@
           </a:p>
         </p:txBody>
       </p:sp>
+      <p:sp>
+        <p:nvSpPr>
+          <p:cNvPr id="8" name="Inhaltsplatzhalter 2">
+            <a:extLst>
+              <a:ext uri="{FF2B5EF4-FFF2-40B4-BE49-F238E27FC236}">
+                <a16:creationId xmlns:a16="http://schemas.microsoft.com/office/drawing/2014/main" id="{FB492B1C-5CD3-4800-A82F-890665A463BE}"/>
+              </a:ext>
+            </a:extLst>
+          </p:cNvPr>
+          <p:cNvSpPr txBox="1">
+            <a:spLocks/>
+          </p:cNvSpPr>
+          <p:nvPr/>
+        </p:nvSpPr>
+        <p:spPr>
+          <a:xfrm>
+            <a:off x="6096000" y="1452694"/>
+            <a:ext cx="5182226" cy="4338506"/>
+          </a:xfrm>
+          <a:prstGeom prst="rect">
+            <a:avLst/>
+          </a:prstGeom>
+        </p:spPr>
+        <p:txBody>
+          <a:bodyPr vert="horz" lIns="91440" tIns="45720" rIns="91440" bIns="45720" rtlCol="0">
+            <a:normAutofit/>
+          </a:bodyPr>
+          <a:lstStyle>
+            <a:lvl1pPr marL="228600" indent="-228600" algn="l" defTabSz="914400" rtl="0" eaLnBrk="1" latinLnBrk="0" hangingPunct="1">
+              <a:lnSpc>
+                <a:spcPct val="120000"/>
+              </a:lnSpc>
+              <a:spcBef>
+                <a:spcPts val="1000"/>
+              </a:spcBef>
+              <a:buClr>
+                <a:schemeClr val="tx1"/>
+              </a:buClr>
+              <a:buFont typeface="Arial" panose="020B0604020202020204" pitchFamily="34" charset="0"/>
+              <a:buChar char="•"/>
+              <a:defRPr sz="2000" kern="1200" cap="small" baseline="0">
+                <a:solidFill>
+                  <a:schemeClr val="tx1"/>
+                </a:solidFill>
+                <a:effectLst/>
+                <a:latin typeface="+mn-lt"/>
+                <a:ea typeface="+mn-ea"/>
+                <a:cs typeface="+mn-cs"/>
+              </a:defRPr>
+            </a:lvl1pPr>
+            <a:lvl2pPr marL="685800" indent="-228600" algn="l" defTabSz="914400" rtl="0" eaLnBrk="1" latinLnBrk="0" hangingPunct="1">
+              <a:lnSpc>
+                <a:spcPct val="120000"/>
+              </a:lnSpc>
+              <a:spcBef>
+                <a:spcPts val="500"/>
+              </a:spcBef>
+              <a:buClr>
+                <a:schemeClr val="tx1"/>
+              </a:buClr>
+              <a:buFont typeface="Arial" panose="020B0604020202020204" pitchFamily="34" charset="0"/>
+              <a:buChar char="•"/>
+              <a:defRPr sz="1800" kern="1200" cap="small" baseline="0">
+                <a:solidFill>
+                  <a:schemeClr val="tx1"/>
+                </a:solidFill>
+                <a:effectLst/>
+                <a:latin typeface="+mn-lt"/>
+                <a:ea typeface="+mn-ea"/>
+                <a:cs typeface="+mn-cs"/>
+              </a:defRPr>
+            </a:lvl2pPr>
+            <a:lvl3pPr marL="1143000" indent="-228600" algn="l" defTabSz="914400" rtl="0" eaLnBrk="1" latinLnBrk="0" hangingPunct="1">
+              <a:lnSpc>
+                <a:spcPct val="120000"/>
+              </a:lnSpc>
+              <a:spcBef>
+                <a:spcPts val="500"/>
+              </a:spcBef>
+              <a:buClr>
+                <a:schemeClr val="tx1"/>
+              </a:buClr>
+              <a:buFont typeface="Arial" panose="020B0604020202020204" pitchFamily="34" charset="0"/>
+              <a:buChar char="•"/>
+              <a:defRPr sz="1600" kern="1200" cap="small" baseline="0">
+                <a:solidFill>
+                  <a:schemeClr val="tx1"/>
+                </a:solidFill>
+                <a:effectLst/>
+                <a:latin typeface="+mn-lt"/>
+                <a:ea typeface="+mn-ea"/>
+                <a:cs typeface="+mn-cs"/>
+              </a:defRPr>
+            </a:lvl3pPr>
+            <a:lvl4pPr marL="1600200" indent="-228600" algn="l" defTabSz="914400" rtl="0" eaLnBrk="1" latinLnBrk="0" hangingPunct="1">
+              <a:lnSpc>
+                <a:spcPct val="120000"/>
+              </a:lnSpc>
+              <a:spcBef>
+                <a:spcPts val="500"/>
+              </a:spcBef>
+              <a:buClr>
+                <a:schemeClr val="tx1"/>
+              </a:buClr>
+              <a:buFont typeface="Arial" panose="020B0604020202020204" pitchFamily="34" charset="0"/>
+              <a:buChar char="•"/>
+              <a:defRPr sz="1400" kern="1200" cap="small" baseline="0">
+                <a:solidFill>
+                  <a:schemeClr val="tx1"/>
+                </a:solidFill>
+                <a:effectLst/>
+                <a:latin typeface="+mn-lt"/>
+                <a:ea typeface="+mn-ea"/>
+                <a:cs typeface="+mn-cs"/>
+              </a:defRPr>
+            </a:lvl4pPr>
+            <a:lvl5pPr marL="2057400" indent="-228600" algn="l" defTabSz="914400" rtl="0" eaLnBrk="1" latinLnBrk="0" hangingPunct="1">
+              <a:lnSpc>
+                <a:spcPct val="120000"/>
+              </a:lnSpc>
+              <a:spcBef>
+                <a:spcPts val="500"/>
+              </a:spcBef>
+              <a:buClr>
+                <a:schemeClr val="tx1"/>
+              </a:buClr>
+              <a:buFont typeface="Arial" panose="020B0604020202020204" pitchFamily="34" charset="0"/>
+              <a:buChar char="•"/>
+              <a:defRPr sz="1400" kern="1200" cap="small" baseline="0">
+                <a:solidFill>
+                  <a:schemeClr val="tx1"/>
+                </a:solidFill>
+                <a:effectLst/>
+                <a:latin typeface="+mn-lt"/>
+                <a:ea typeface="+mn-ea"/>
+                <a:cs typeface="+mn-cs"/>
+              </a:defRPr>
+            </a:lvl5pPr>
+            <a:lvl6pPr marL="2514600" indent="-228600" algn="l" defTabSz="914400" rtl="0" eaLnBrk="1" latinLnBrk="0" hangingPunct="1">
+              <a:lnSpc>
+                <a:spcPct val="120000"/>
+              </a:lnSpc>
+              <a:spcBef>
+                <a:spcPts val="500"/>
+              </a:spcBef>
+              <a:buClr>
+                <a:schemeClr val="tx1"/>
+              </a:buClr>
+              <a:buFont typeface="Arial" panose="020B0604020202020204" pitchFamily="34" charset="0"/>
+              <a:buChar char="•"/>
+              <a:defRPr sz="1400" kern="1200" cap="all" baseline="0">
+                <a:solidFill>
+                  <a:schemeClr val="tx1"/>
+                </a:solidFill>
+                <a:effectLst/>
+                <a:latin typeface="+mn-lt"/>
+                <a:ea typeface="+mn-ea"/>
+                <a:cs typeface="+mn-cs"/>
+              </a:defRPr>
+            </a:lvl6pPr>
+            <a:lvl7pPr marL="2971800" indent="-228600" algn="l" defTabSz="914400" rtl="0" eaLnBrk="1" latinLnBrk="0" hangingPunct="1">
+              <a:lnSpc>
+                <a:spcPct val="120000"/>
+              </a:lnSpc>
+              <a:spcBef>
+                <a:spcPts val="500"/>
+              </a:spcBef>
+              <a:buClr>
+                <a:schemeClr val="tx1"/>
+              </a:buClr>
+              <a:buFont typeface="Arial" panose="020B0604020202020204" pitchFamily="34" charset="0"/>
+              <a:buChar char="•"/>
+              <a:defRPr sz="1400" kern="1200" cap="all" baseline="0">
+                <a:solidFill>
+                  <a:schemeClr val="tx1"/>
+                </a:solidFill>
+                <a:effectLst/>
+                <a:latin typeface="+mn-lt"/>
+                <a:ea typeface="+mn-ea"/>
+                <a:cs typeface="+mn-cs"/>
+              </a:defRPr>
+            </a:lvl7pPr>
+            <a:lvl8pPr marL="3429000" indent="-228600" algn="l" defTabSz="914400" rtl="0" eaLnBrk="1" latinLnBrk="0" hangingPunct="1">
+              <a:lnSpc>
+                <a:spcPct val="120000"/>
+              </a:lnSpc>
+              <a:spcBef>
+                <a:spcPts val="500"/>
+              </a:spcBef>
+              <a:buClr>
+                <a:schemeClr val="tx1"/>
+              </a:buClr>
+              <a:buFont typeface="Arial" panose="020B0604020202020204" pitchFamily="34" charset="0"/>
+              <a:buChar char="•"/>
+              <a:defRPr sz="1400" kern="1200" cap="all" baseline="0">
+                <a:solidFill>
+                  <a:schemeClr val="tx1"/>
+                </a:solidFill>
+                <a:effectLst/>
+                <a:latin typeface="+mn-lt"/>
+                <a:ea typeface="+mn-ea"/>
+                <a:cs typeface="+mn-cs"/>
+              </a:defRPr>
+            </a:lvl8pPr>
+            <a:lvl9pPr marL="3886200" indent="-228600" algn="l" defTabSz="914400" rtl="0" eaLnBrk="1" latinLnBrk="0" hangingPunct="1">
+              <a:lnSpc>
+                <a:spcPct val="120000"/>
+              </a:lnSpc>
+              <a:spcBef>
+                <a:spcPts val="500"/>
+              </a:spcBef>
+              <a:buClr>
+                <a:schemeClr val="tx1"/>
+              </a:buClr>
+              <a:buFont typeface="Arial" panose="020B0604020202020204" pitchFamily="34" charset="0"/>
+              <a:buChar char="•"/>
+              <a:defRPr sz="1400" kern="1200" cap="all" baseline="0">
+                <a:solidFill>
+                  <a:schemeClr val="tx1"/>
+                </a:solidFill>
+                <a:effectLst/>
+                <a:latin typeface="+mn-lt"/>
+                <a:ea typeface="+mn-ea"/>
+                <a:cs typeface="+mn-cs"/>
+              </a:defRPr>
+            </a:lvl9pPr>
+          </a:lstStyle>
+          <a:p>
+            <a:pPr marL="0" indent="0" algn="ctr">
+              <a:buFont typeface="Arial" panose="020B0604020202020204" pitchFamily="34" charset="0"/>
+              <a:buNone/>
+            </a:pPr>
+            <a:r>
+              <a:rPr lang="de-DE" sz="2600" u="sng" dirty="0"/>
+              <a:t>Regeln</a:t>
+            </a:r>
+            <a:endParaRPr lang="de-DE" sz="2600" dirty="0"/>
+          </a:p>
+          <a:p>
+            <a:pPr marL="0" indent="0">
+              <a:buNone/>
+            </a:pPr>
+            <a:endParaRPr lang="de-DE" sz="1600" dirty="0"/>
+          </a:p>
+          <a:p>
+            <a:pPr marL="457200" indent="-457200">
+              <a:buFont typeface="+mj-lt"/>
+              <a:buAutoNum type="arabicPeriod"/>
+            </a:pPr>
+            <a:r>
+              <a:rPr lang="de-DE" sz="1600" dirty="0"/>
+              <a:t>Spielfeldgröße: 10 x 10 Felder</a:t>
+            </a:r>
+          </a:p>
+          <a:p>
+            <a:pPr marL="457200" indent="-457200">
+              <a:buFont typeface="+mj-lt"/>
+              <a:buAutoNum type="arabicPeriod"/>
+            </a:pPr>
+            <a:r>
+              <a:rPr lang="de-DE" sz="1600" dirty="0"/>
+              <a:t>Zufällige Auswahl für Spielstart</a:t>
+            </a:r>
+          </a:p>
+          <a:p>
+            <a:pPr marL="457200" indent="-457200">
+              <a:buFont typeface="+mj-lt"/>
+              <a:buAutoNum type="arabicPeriod"/>
+            </a:pPr>
+            <a:r>
+              <a:rPr lang="de-DE" sz="1600" dirty="0"/>
+              <a:t>Kein Aneinanderstoßen der Schiffe</a:t>
+            </a:r>
+          </a:p>
+          <a:p>
+            <a:pPr marL="457200" indent="-457200">
+              <a:buFont typeface="+mj-lt"/>
+              <a:buAutoNum type="arabicPeriod"/>
+            </a:pPr>
+            <a:r>
+              <a:rPr lang="de-DE" sz="1600" dirty="0"/>
+              <a:t>Schiffe nicht über Eck gebaut, keine Ausbuchtungen</a:t>
+            </a:r>
+          </a:p>
+          <a:p>
+            <a:pPr marL="457200" indent="-457200">
+              <a:buFont typeface="+mj-lt"/>
+              <a:buAutoNum type="arabicPeriod"/>
+            </a:pPr>
+            <a:r>
+              <a:rPr lang="de-DE" sz="1600" dirty="0"/>
+              <a:t>Schiffplatzierung am Rand des Spielfelds möglich</a:t>
+            </a:r>
+          </a:p>
+          <a:p>
+            <a:pPr marL="457200" indent="-457200">
+              <a:buFont typeface="+mj-lt"/>
+              <a:buAutoNum type="arabicPeriod"/>
+            </a:pPr>
+            <a:r>
+              <a:rPr lang="de-DE" sz="1600" dirty="0"/>
+              <a:t>Keine diagonale Schiffsplatzierung</a:t>
+            </a:r>
+          </a:p>
+          <a:p>
+            <a:pPr marL="457200" indent="-457200">
+              <a:buFont typeface="+mj-lt"/>
+              <a:buAutoNum type="arabicPeriod"/>
+            </a:pPr>
+            <a:r>
+              <a:rPr lang="de-DE" sz="1600" dirty="0"/>
+              <a:t>Zehn Schiffe pro Spieler</a:t>
+            </a:r>
+          </a:p>
+        </p:txBody>
+      </p:sp>
     </p:spTree>
     <p:extLst>
       <p:ext uri="{BB962C8B-B14F-4D97-AF65-F5344CB8AC3E}">
-        <p14:creationId xmlns:p14="http://schemas.microsoft.com/office/powerpoint/2010/main" val="3076311443"/>
+        <p14:creationId xmlns:p14="http://schemas.microsoft.com/office/powerpoint/2010/main" val="1759431194"/>
       </p:ext>
     </p:extLst>
   </p:cSld>
@@ -8256,7 +9209,7 @@
           <p:cNvPr id="2" name="Titel 1">
             <a:extLst>
               <a:ext uri="{FF2B5EF4-FFF2-40B4-BE49-F238E27FC236}">
-                <a16:creationId xmlns:a16="http://schemas.microsoft.com/office/drawing/2014/main" id="{0B61880B-59D9-4512-8291-8A6530B1533D}"/>
+                <a16:creationId xmlns:a16="http://schemas.microsoft.com/office/drawing/2014/main" id="{69E165F1-DE77-4B90-972A-54D85BE574B6}"/>
               </a:ext>
             </a:extLst>
           </p:cNvPr>
@@ -8274,7 +9227,7 @@
           <a:p>
             <a:r>
               <a:rPr lang="de-DE" dirty="0"/>
-              <a:t>Durchführung</a:t>
+              <a:t>Planung</a:t>
             </a:r>
           </a:p>
         </p:txBody>
@@ -8284,7 +9237,7 @@
           <p:cNvPr id="3" name="Inhaltsplatzhalter 2">
             <a:extLst>
               <a:ext uri="{FF2B5EF4-FFF2-40B4-BE49-F238E27FC236}">
-                <a16:creationId xmlns:a16="http://schemas.microsoft.com/office/drawing/2014/main" id="{325B0A24-0D2C-4104-86C8-A13F9E69A0CE}"/>
+                <a16:creationId xmlns:a16="http://schemas.microsoft.com/office/drawing/2014/main" id="{FEBEA2EB-2914-4E90-95F5-6F5ABDA727A8}"/>
               </a:ext>
             </a:extLst>
           </p:cNvPr>
@@ -8300,7 +9253,10 @@
           <a:bodyPr/>
           <a:lstStyle/>
           <a:p>
-            <a:endParaRPr lang="de-DE"/>
+            <a:r>
+              <a:rPr lang="de-DE" dirty="0"/>
+              <a:t>Alle Skizzen rein…</a:t>
+            </a:r>
           </a:p>
         </p:txBody>
       </p:sp>
@@ -8309,7 +9265,7 @@
           <p:cNvPr id="4" name="Datumsplatzhalter 3">
             <a:extLst>
               <a:ext uri="{FF2B5EF4-FFF2-40B4-BE49-F238E27FC236}">
-                <a16:creationId xmlns:a16="http://schemas.microsoft.com/office/drawing/2014/main" id="{CCF333ED-789B-47C4-AE93-3839EAD0CEEB}"/>
+                <a16:creationId xmlns:a16="http://schemas.microsoft.com/office/drawing/2014/main" id="{F62EBD92-D3FC-4C2D-93B9-6081635FCD78}"/>
               </a:ext>
             </a:extLst>
           </p:cNvPr>
@@ -8325,9 +9281,9 @@
           <a:bodyPr/>
           <a:lstStyle/>
           <a:p>
-            <a:fld id="{27D204F4-AB39-4F55-987F-F841512CE6C4}" type="datetime1">
+            <a:fld id="{2203D72D-935C-4722-8BA8-B4E10C205C6E}" type="datetime1">
               <a:rPr lang="de-DE" smtClean="0"/>
-              <a:t>22.08.2023</a:t>
+              <a:t>23.08.2023</a:t>
             </a:fld>
             <a:endParaRPr lang="de-DE"/>
           </a:p>
@@ -8338,7 +9294,7 @@
           <p:cNvPr id="5" name="Fußzeilenplatzhalter 4">
             <a:extLst>
               <a:ext uri="{FF2B5EF4-FFF2-40B4-BE49-F238E27FC236}">
-                <a16:creationId xmlns:a16="http://schemas.microsoft.com/office/drawing/2014/main" id="{E4B93D02-BD16-4431-A830-6494AA32C6F4}"/>
+                <a16:creationId xmlns:a16="http://schemas.microsoft.com/office/drawing/2014/main" id="{E6139F8B-2711-413F-9AA2-B43A94011FEA}"/>
               </a:ext>
             </a:extLst>
           </p:cNvPr>
@@ -8355,7 +9311,7 @@
           <a:lstStyle/>
           <a:p>
             <a:r>
-              <a:rPr lang="de-DE"/>
+              <a:rPr lang="de-DE" dirty="0"/>
               <a:t>Entwicklung eines 2D – „Schiffe versenken“ Spiels zur Simulation einer Seeschlacht von Denis Ojdanic</a:t>
             </a:r>
           </a:p>
@@ -8366,7 +9322,7 @@
           <p:cNvPr id="6" name="Foliennummernplatzhalter 5">
             <a:extLst>
               <a:ext uri="{FF2B5EF4-FFF2-40B4-BE49-F238E27FC236}">
-                <a16:creationId xmlns:a16="http://schemas.microsoft.com/office/drawing/2014/main" id="{CBB1503F-E0D2-4670-A2E7-5A7155EDEBCB}"/>
+                <a16:creationId xmlns:a16="http://schemas.microsoft.com/office/drawing/2014/main" id="{58D784A9-A29D-4452-A5BF-2FE9CA4E38A0}"/>
               </a:ext>
             </a:extLst>
           </p:cNvPr>
@@ -8393,7 +9349,7 @@
     </p:spTree>
     <p:extLst>
       <p:ext uri="{BB962C8B-B14F-4D97-AF65-F5344CB8AC3E}">
-        <p14:creationId xmlns:p14="http://schemas.microsoft.com/office/powerpoint/2010/main" val="865451768"/>
+        <p14:creationId xmlns:p14="http://schemas.microsoft.com/office/powerpoint/2010/main" val="3076311443"/>
       </p:ext>
     </p:extLst>
   </p:cSld>
@@ -8425,7 +9381,7 @@
           <p:cNvPr id="2" name="Titel 1">
             <a:extLst>
               <a:ext uri="{FF2B5EF4-FFF2-40B4-BE49-F238E27FC236}">
-                <a16:creationId xmlns:a16="http://schemas.microsoft.com/office/drawing/2014/main" id="{A1E4BA18-B930-4BCF-A225-A78F58609599}"/>
+                <a16:creationId xmlns:a16="http://schemas.microsoft.com/office/drawing/2014/main" id="{0B61880B-59D9-4512-8291-8A6530B1533D}"/>
               </a:ext>
             </a:extLst>
           </p:cNvPr>
@@ -8443,7 +9399,7 @@
           <a:p>
             <a:r>
               <a:rPr lang="de-DE" dirty="0"/>
-              <a:t>Qualitätssicherung</a:t>
+              <a:t>Durchführung</a:t>
             </a:r>
           </a:p>
         </p:txBody>
@@ -8453,7 +9409,7 @@
           <p:cNvPr id="3" name="Inhaltsplatzhalter 2">
             <a:extLst>
               <a:ext uri="{FF2B5EF4-FFF2-40B4-BE49-F238E27FC236}">
-                <a16:creationId xmlns:a16="http://schemas.microsoft.com/office/drawing/2014/main" id="{086316EC-5084-4A77-BA01-CE11726B3121}"/>
+                <a16:creationId xmlns:a16="http://schemas.microsoft.com/office/drawing/2014/main" id="{325B0A24-0D2C-4104-86C8-A13F9E69A0CE}"/>
               </a:ext>
             </a:extLst>
           </p:cNvPr>
@@ -8478,7 +9434,7 @@
           <p:cNvPr id="4" name="Datumsplatzhalter 3">
             <a:extLst>
               <a:ext uri="{FF2B5EF4-FFF2-40B4-BE49-F238E27FC236}">
-                <a16:creationId xmlns:a16="http://schemas.microsoft.com/office/drawing/2014/main" id="{36555B9C-1726-44DD-9A65-D864314E0583}"/>
+                <a16:creationId xmlns:a16="http://schemas.microsoft.com/office/drawing/2014/main" id="{CCF333ED-789B-47C4-AE93-3839EAD0CEEB}"/>
               </a:ext>
             </a:extLst>
           </p:cNvPr>
@@ -8494,9 +9450,9 @@
           <a:bodyPr/>
           <a:lstStyle/>
           <a:p>
-            <a:fld id="{9697E47E-0263-4A3E-B234-0CDBD5C6DAA3}" type="datetime1">
+            <a:fld id="{27D204F4-AB39-4F55-987F-F841512CE6C4}" type="datetime1">
               <a:rPr lang="de-DE" smtClean="0"/>
-              <a:t>22.08.2023</a:t>
+              <a:t>23.08.2023</a:t>
             </a:fld>
             <a:endParaRPr lang="de-DE"/>
           </a:p>
@@ -8507,7 +9463,7 @@
           <p:cNvPr id="5" name="Fußzeilenplatzhalter 4">
             <a:extLst>
               <a:ext uri="{FF2B5EF4-FFF2-40B4-BE49-F238E27FC236}">
-                <a16:creationId xmlns:a16="http://schemas.microsoft.com/office/drawing/2014/main" id="{AC9646D5-32C1-4E09-AB99-4E32745A5720}"/>
+                <a16:creationId xmlns:a16="http://schemas.microsoft.com/office/drawing/2014/main" id="{E4B93D02-BD16-4431-A830-6494AA32C6F4}"/>
               </a:ext>
             </a:extLst>
           </p:cNvPr>
@@ -8535,7 +9491,7 @@
           <p:cNvPr id="6" name="Foliennummernplatzhalter 5">
             <a:extLst>
               <a:ext uri="{FF2B5EF4-FFF2-40B4-BE49-F238E27FC236}">
-                <a16:creationId xmlns:a16="http://schemas.microsoft.com/office/drawing/2014/main" id="{E881F70D-DD1F-4CDF-9D13-AAE203F44DFD}"/>
+                <a16:creationId xmlns:a16="http://schemas.microsoft.com/office/drawing/2014/main" id="{CBB1503F-E0D2-4670-A2E7-5A7155EDEBCB}"/>
               </a:ext>
             </a:extLst>
           </p:cNvPr>
@@ -8562,7 +9518,7 @@
     </p:spTree>
     <p:extLst>
       <p:ext uri="{BB962C8B-B14F-4D97-AF65-F5344CB8AC3E}">
-        <p14:creationId xmlns:p14="http://schemas.microsoft.com/office/powerpoint/2010/main" val="1372003958"/>
+        <p14:creationId xmlns:p14="http://schemas.microsoft.com/office/powerpoint/2010/main" val="865451768"/>
       </p:ext>
     </p:extLst>
   </p:cSld>
@@ -8594,7 +9550,7 @@
           <p:cNvPr id="2" name="Titel 1">
             <a:extLst>
               <a:ext uri="{FF2B5EF4-FFF2-40B4-BE49-F238E27FC236}">
-                <a16:creationId xmlns:a16="http://schemas.microsoft.com/office/drawing/2014/main" id="{48DA5BB7-4F29-4540-ADAD-7FB210F2FA34}"/>
+                <a16:creationId xmlns:a16="http://schemas.microsoft.com/office/drawing/2014/main" id="{A1E4BA18-B930-4BCF-A225-A78F58609599}"/>
               </a:ext>
             </a:extLst>
           </p:cNvPr>
@@ -8612,7 +9568,7 @@
           <a:p>
             <a:r>
               <a:rPr lang="de-DE" dirty="0"/>
-              <a:t>Fazit</a:t>
+              <a:t>Qualitätssicherung</a:t>
             </a:r>
           </a:p>
         </p:txBody>
@@ -8622,7 +9578,7 @@
           <p:cNvPr id="3" name="Inhaltsplatzhalter 2">
             <a:extLst>
               <a:ext uri="{FF2B5EF4-FFF2-40B4-BE49-F238E27FC236}">
-                <a16:creationId xmlns:a16="http://schemas.microsoft.com/office/drawing/2014/main" id="{D0F4209D-B013-4E37-92E9-F65435CAF443}"/>
+                <a16:creationId xmlns:a16="http://schemas.microsoft.com/office/drawing/2014/main" id="{086316EC-5084-4A77-BA01-CE11726B3121}"/>
               </a:ext>
             </a:extLst>
           </p:cNvPr>
@@ -8638,7 +9594,34 @@
           <a:bodyPr/>
           <a:lstStyle/>
           <a:p>
-            <a:endParaRPr lang="de-DE"/>
+            <a:r>
+              <a:rPr lang="de-DE" dirty="0"/>
+              <a:t>Funktionsfähigkeit der Demoversion zur Demonstration wurde fokussiert</a:t>
+            </a:r>
+          </a:p>
+          <a:p>
+            <a:r>
+              <a:rPr lang="de-DE" dirty="0"/>
+              <a:t>Unittests nach jeder erstellten Funktion</a:t>
+            </a:r>
+          </a:p>
+          <a:p>
+            <a:r>
+              <a:rPr lang="de-DE" dirty="0"/>
+              <a:t>White-Box-Test nach Fertigstellung</a:t>
+            </a:r>
+          </a:p>
+          <a:p>
+            <a:r>
+              <a:rPr lang="de-DE" dirty="0"/>
+              <a:t>Praktischer Blackbox-Test</a:t>
+            </a:r>
+          </a:p>
+          <a:p>
+            <a:r>
+              <a:rPr lang="de-DE" dirty="0"/>
+              <a:t>Endbenutzertest steht noch aus</a:t>
+            </a:r>
           </a:p>
         </p:txBody>
       </p:sp>
@@ -8647,7 +9630,7 @@
           <p:cNvPr id="4" name="Datumsplatzhalter 3">
             <a:extLst>
               <a:ext uri="{FF2B5EF4-FFF2-40B4-BE49-F238E27FC236}">
-                <a16:creationId xmlns:a16="http://schemas.microsoft.com/office/drawing/2014/main" id="{EEA43CB3-D57E-40A8-ACC3-EB6F1C488E1C}"/>
+                <a16:creationId xmlns:a16="http://schemas.microsoft.com/office/drawing/2014/main" id="{36555B9C-1726-44DD-9A65-D864314E0583}"/>
               </a:ext>
             </a:extLst>
           </p:cNvPr>
@@ -8663,9 +9646,9 @@
           <a:bodyPr/>
           <a:lstStyle/>
           <a:p>
-            <a:fld id="{33AED3C8-2282-49E1-B2A4-F1731DA77500}" type="datetime1">
+            <a:fld id="{9697E47E-0263-4A3E-B234-0CDBD5C6DAA3}" type="datetime1">
               <a:rPr lang="de-DE" smtClean="0"/>
-              <a:t>22.08.2023</a:t>
+              <a:t>23.08.2023</a:t>
             </a:fld>
             <a:endParaRPr lang="de-DE"/>
           </a:p>
@@ -8676,7 +9659,7 @@
           <p:cNvPr id="5" name="Fußzeilenplatzhalter 4">
             <a:extLst>
               <a:ext uri="{FF2B5EF4-FFF2-40B4-BE49-F238E27FC236}">
-                <a16:creationId xmlns:a16="http://schemas.microsoft.com/office/drawing/2014/main" id="{79ABA254-6B48-4441-971D-6D9F476639AB}"/>
+                <a16:creationId xmlns:a16="http://schemas.microsoft.com/office/drawing/2014/main" id="{AC9646D5-32C1-4E09-AB99-4E32745A5720}"/>
               </a:ext>
             </a:extLst>
           </p:cNvPr>
@@ -8704,7 +9687,7 @@
           <p:cNvPr id="6" name="Foliennummernplatzhalter 5">
             <a:extLst>
               <a:ext uri="{FF2B5EF4-FFF2-40B4-BE49-F238E27FC236}">
-                <a16:creationId xmlns:a16="http://schemas.microsoft.com/office/drawing/2014/main" id="{FCB7D4F1-195B-409C-A99B-BA75B6182102}"/>
+                <a16:creationId xmlns:a16="http://schemas.microsoft.com/office/drawing/2014/main" id="{E881F70D-DD1F-4CDF-9D13-AAE203F44DFD}"/>
               </a:ext>
             </a:extLst>
           </p:cNvPr>
@@ -8731,7 +9714,7 @@
     </p:spTree>
     <p:extLst>
       <p:ext uri="{BB962C8B-B14F-4D97-AF65-F5344CB8AC3E}">
-        <p14:creationId xmlns:p14="http://schemas.microsoft.com/office/powerpoint/2010/main" val="74010285"/>
+        <p14:creationId xmlns:p14="http://schemas.microsoft.com/office/powerpoint/2010/main" val="1372003958"/>
       </p:ext>
     </p:extLst>
   </p:cSld>

--- a/Dokumente/Projektpräsentation.pptx
+++ b/Dokumente/Projektpräsentation.pptx
@@ -210,7 +210,7 @@
           <a:p>
             <a:fld id="{ADC25E09-F36A-47D9-8824-C6FCF888BB52}" type="datetimeFigureOut">
               <a:rPr lang="de-DE" smtClean="0"/>
-              <a:t>23.08.2023</a:t>
+              <a:t>24.08.2023</a:t>
             </a:fld>
             <a:endParaRPr lang="de-DE"/>
           </a:p>
@@ -1175,7 +1175,7 @@
           <a:p>
             <a:fld id="{54F4F25A-280B-48AD-B7B8-05BAB8B72AF9}" type="datetime1">
               <a:rPr lang="de-DE" smtClean="0"/>
-              <a:t>23.08.2023</a:t>
+              <a:t>24.08.2023</a:t>
             </a:fld>
             <a:endParaRPr lang="de-DE"/>
           </a:p>
@@ -1493,7 +1493,7 @@
           <a:p>
             <a:fld id="{7A2BC273-7793-4B58-83B9-897B715A6B65}" type="datetime1">
               <a:rPr lang="de-DE" smtClean="0"/>
-              <a:t>23.08.2023</a:t>
+              <a:t>24.08.2023</a:t>
             </a:fld>
             <a:endParaRPr lang="de-DE"/>
           </a:p>
@@ -1718,7 +1718,7 @@
           <a:p>
             <a:fld id="{96306E31-9C14-4B17-8239-630325395DEF}" type="datetime1">
               <a:rPr lang="de-DE" smtClean="0"/>
-              <a:t>23.08.2023</a:t>
+              <a:t>24.08.2023</a:t>
             </a:fld>
             <a:endParaRPr lang="de-DE"/>
           </a:p>
@@ -2012,7 +2012,7 @@
           <a:p>
             <a:fld id="{4E2A68E7-D889-4A43-AA85-3F75FD767A8E}" type="datetime1">
               <a:rPr lang="de-DE" smtClean="0"/>
-              <a:t>23.08.2023</a:t>
+              <a:t>24.08.2023</a:t>
             </a:fld>
             <a:endParaRPr lang="de-DE"/>
           </a:p>
@@ -2469,7 +2469,7 @@
           <a:p>
             <a:fld id="{A04A8BC3-42D6-4801-A46C-3EF1D350210E}" type="datetime1">
               <a:rPr lang="de-DE" smtClean="0"/>
-              <a:t>23.08.2023</a:t>
+              <a:t>24.08.2023</a:t>
             </a:fld>
             <a:endParaRPr lang="de-DE"/>
           </a:p>
@@ -3048,7 +3048,7 @@
           <a:p>
             <a:fld id="{8F3964FB-FE9F-4390-922E-BC8A153C729E}" type="datetime1">
               <a:rPr lang="de-DE" smtClean="0"/>
-              <a:t>23.08.2023</a:t>
+              <a:t>24.08.2023</a:t>
             </a:fld>
             <a:endParaRPr lang="de-DE"/>
           </a:p>
@@ -3912,7 +3912,7 @@
           <a:p>
             <a:fld id="{5E53F432-BB66-4AE7-AA91-18692C304808}" type="datetime1">
               <a:rPr lang="de-DE" smtClean="0"/>
-              <a:t>23.08.2023</a:t>
+              <a:t>24.08.2023</a:t>
             </a:fld>
             <a:endParaRPr lang="de-DE"/>
           </a:p>
@@ -4120,7 +4120,7 @@
           <a:p>
             <a:fld id="{0C017460-DDC5-4E4C-8910-4DDE24DA9ECF}" type="datetime1">
               <a:rPr lang="de-DE" smtClean="0"/>
-              <a:t>23.08.2023</a:t>
+              <a:t>24.08.2023</a:t>
             </a:fld>
             <a:endParaRPr lang="de-DE"/>
           </a:p>
@@ -4337,7 +4337,7 @@
           <a:p>
             <a:fld id="{A74FBB5C-17B7-4792-89AF-B8A016EE63CE}" type="datetime1">
               <a:rPr lang="de-DE" smtClean="0"/>
-              <a:t>23.08.2023</a:t>
+              <a:t>24.08.2023</a:t>
             </a:fld>
             <a:endParaRPr lang="de-DE"/>
           </a:p>
@@ -4550,7 +4550,7 @@
           <a:p>
             <a:fld id="{8572A4A3-D06D-45F2-A4F4-348ED7350600}" type="datetime1">
               <a:rPr lang="de-DE" smtClean="0"/>
-              <a:t>23.08.2023</a:t>
+              <a:t>24.08.2023</a:t>
             </a:fld>
             <a:endParaRPr lang="de-DE"/>
           </a:p>
@@ -4833,7 +4833,7 @@
           <a:p>
             <a:fld id="{FFFC2A57-C381-4262-8AE3-700CB5F3A682}" type="datetime1">
               <a:rPr lang="de-DE" smtClean="0"/>
-              <a:t>23.08.2023</a:t>
+              <a:t>24.08.2023</a:t>
             </a:fld>
             <a:endParaRPr lang="de-DE"/>
           </a:p>
@@ -5103,7 +5103,7 @@
           <a:p>
             <a:fld id="{DBE15BD0-BA7F-4172-BFD8-DE5FD18B215E}" type="datetime1">
               <a:rPr lang="de-DE" smtClean="0"/>
-              <a:t>23.08.2023</a:t>
+              <a:t>24.08.2023</a:t>
             </a:fld>
             <a:endParaRPr lang="de-DE"/>
           </a:p>
@@ -5521,7 +5521,7 @@
           <a:p>
             <a:fld id="{93E24929-F3C7-4A0C-BFB1-3BF1DF1FFD02}" type="datetime1">
               <a:rPr lang="de-DE" smtClean="0"/>
-              <a:t>23.08.2023</a:t>
+              <a:t>24.08.2023</a:t>
             </a:fld>
             <a:endParaRPr lang="de-DE"/>
           </a:p>
@@ -5672,7 +5672,7 @@
           <a:p>
             <a:fld id="{91D08588-3DAC-44B1-94F1-573C9FD3D023}" type="datetime1">
               <a:rPr lang="de-DE" smtClean="0"/>
-              <a:t>23.08.2023</a:t>
+              <a:t>24.08.2023</a:t>
             </a:fld>
             <a:endParaRPr lang="de-DE"/>
           </a:p>
@@ -5800,7 +5800,7 @@
           <a:p>
             <a:fld id="{07B96FA7-1D37-496A-A4D2-5C746DF1211C}" type="datetime1">
               <a:rPr lang="de-DE" smtClean="0"/>
-              <a:t>23.08.2023</a:t>
+              <a:t>24.08.2023</a:t>
             </a:fld>
             <a:endParaRPr lang="de-DE"/>
           </a:p>
@@ -6082,7 +6082,7 @@
           <a:p>
             <a:fld id="{71FD3FE7-2882-42A7-BB32-5A6367CBDA45}" type="datetime1">
               <a:rPr lang="de-DE" smtClean="0"/>
-              <a:t>23.08.2023</a:t>
+              <a:t>24.08.2023</a:t>
             </a:fld>
             <a:endParaRPr lang="de-DE"/>
           </a:p>
@@ -6400,7 +6400,7 @@
           <a:p>
             <a:fld id="{5F800F1A-B4D2-4D1A-AB12-CAB85F7F8FEC}" type="datetime1">
               <a:rPr lang="de-DE" smtClean="0"/>
-              <a:t>23.08.2023</a:t>
+              <a:t>24.08.2023</a:t>
             </a:fld>
             <a:endParaRPr lang="de-DE"/>
           </a:p>
@@ -6711,7 +6711,7 @@
           <a:p>
             <a:fld id="{38790068-0882-4217-A6C0-4EF73D8B28AE}" type="datetime1">
               <a:rPr lang="de-DE" smtClean="0"/>
-              <a:t>23.08.2023</a:t>
+              <a:t>24.08.2023</a:t>
             </a:fld>
             <a:endParaRPr lang="de-DE"/>
           </a:p>
@@ -7501,7 +7501,7 @@
           <a:p>
             <a:fld id="{33AED3C8-2282-49E1-B2A4-F1731DA77500}" type="datetime1">
               <a:rPr lang="de-DE" smtClean="0"/>
-              <a:t>23.08.2023</a:t>
+              <a:t>24.08.2023</a:t>
             </a:fld>
             <a:endParaRPr lang="de-DE"/>
           </a:p>
@@ -7705,7 +7705,7 @@
           <a:p>
             <a:fld id="{DC2E460A-31D6-4295-8454-487389ED80B2}" type="datetime1">
               <a:rPr lang="de-DE" smtClean="0"/>
-              <a:t>23.08.2023</a:t>
+              <a:t>24.08.2023</a:t>
             </a:fld>
             <a:endParaRPr lang="de-DE"/>
           </a:p>
@@ -7923,7 +7923,7 @@
           <a:p>
             <a:fld id="{5A282FE3-3930-47E8-8F00-5F7DDFB2B2FF}" type="datetime1">
               <a:rPr lang="de-DE" smtClean="0"/>
-              <a:t>23.08.2023</a:t>
+              <a:t>24.08.2023</a:t>
             </a:fld>
             <a:endParaRPr lang="de-DE"/>
           </a:p>
@@ -8170,7 +8170,7 @@
           <a:p>
             <a:fld id="{9121658D-93A0-499A-8F0C-A8AFDD89FD51}" type="datetime1">
               <a:rPr lang="de-DE" smtClean="0"/>
-              <a:t>23.08.2023</a:t>
+              <a:t>24.08.2023</a:t>
             </a:fld>
             <a:endParaRPr lang="de-DE" dirty="0"/>
           </a:p>
@@ -8371,7 +8371,7 @@
           <a:p>
             <a:fld id="{022EE025-C144-4848-A13E-DCCBAFF8D0E8}" type="datetime1">
               <a:rPr lang="de-DE" smtClean="0"/>
-              <a:t>23.08.2023</a:t>
+              <a:t>24.08.2023</a:t>
             </a:fld>
             <a:endParaRPr lang="de-DE"/>
           </a:p>
@@ -8592,7 +8592,7 @@
           <a:p>
             <a:fld id="{8572A4A3-D06D-45F2-A4F4-348ED7350600}" type="datetime1">
               <a:rPr lang="de-DE" smtClean="0"/>
-              <a:t>23.08.2023</a:t>
+              <a:t>24.08.2023</a:t>
             </a:fld>
             <a:endParaRPr lang="de-DE"/>
           </a:p>
@@ -8795,7 +8795,7 @@
           <a:p>
             <a:fld id="{8572A4A3-D06D-45F2-A4F4-348ED7350600}" type="datetime1">
               <a:rPr lang="de-DE" smtClean="0"/>
-              <a:t>23.08.2023</a:t>
+              <a:t>24.08.2023</a:t>
             </a:fld>
             <a:endParaRPr lang="de-DE"/>
           </a:p>
@@ -8883,7 +8883,7 @@
         </p:spPr>
         <p:txBody>
           <a:bodyPr vert="horz" lIns="91440" tIns="45720" rIns="91440" bIns="45720" rtlCol="0">
-            <a:normAutofit/>
+            <a:normAutofit lnSpcReduction="10000"/>
           </a:bodyPr>
           <a:lstStyle>
             <a:lvl1pPr marL="228600" indent="-228600" algn="l" defTabSz="914400" rtl="0" eaLnBrk="1" latinLnBrk="0" hangingPunct="1">
@@ -9283,7 +9283,7 @@
           <a:p>
             <a:fld id="{2203D72D-935C-4722-8BA8-B4E10C205C6E}" type="datetime1">
               <a:rPr lang="de-DE" smtClean="0"/>
-              <a:t>23.08.2023</a:t>
+              <a:t>24.08.2023</a:t>
             </a:fld>
             <a:endParaRPr lang="de-DE"/>
           </a:p>
@@ -9452,7 +9452,7 @@
           <a:p>
             <a:fld id="{27D204F4-AB39-4F55-987F-F841512CE6C4}" type="datetime1">
               <a:rPr lang="de-DE" smtClean="0"/>
-              <a:t>23.08.2023</a:t>
+              <a:t>24.08.2023</a:t>
             </a:fld>
             <a:endParaRPr lang="de-DE"/>
           </a:p>
@@ -9648,7 +9648,7 @@
           <a:p>
             <a:fld id="{9697E47E-0263-4A3E-B234-0CDBD5C6DAA3}" type="datetime1">
               <a:rPr lang="de-DE" smtClean="0"/>
-              <a:t>23.08.2023</a:t>
+              <a:t>24.08.2023</a:t>
             </a:fld>
             <a:endParaRPr lang="de-DE"/>
           </a:p>

--- a/Dokumente/Projektpräsentation.pptx
+++ b/Dokumente/Projektpräsentation.pptx
@@ -5,7 +5,7 @@
     <p:sldMasterId id="2147483697" r:id="rId1"/>
   </p:sldMasterIdLst>
   <p:notesMasterIdLst>
-    <p:notesMasterId r:id="rId13"/>
+    <p:notesMasterId r:id="rId14"/>
   </p:notesMasterIdLst>
   <p:sldIdLst>
     <p:sldId id="256" r:id="rId2"/>
@@ -18,7 +18,8 @@
     <p:sldId id="265" r:id="rId9"/>
     <p:sldId id="266" r:id="rId10"/>
     <p:sldId id="267" r:id="rId11"/>
-    <p:sldId id="268" r:id="rId12"/>
+    <p:sldId id="271" r:id="rId12"/>
+    <p:sldId id="268" r:id="rId13"/>
   </p:sldIdLst>
   <p:sldSz cx="12192000" cy="6858000"/>
   <p:notesSz cx="6858000" cy="9144000"/>
@@ -210,7 +211,7 @@
           <a:p>
             <a:fld id="{ADC25E09-F36A-47D9-8824-C6FCF888BB52}" type="datetimeFigureOut">
               <a:rPr lang="de-DE" smtClean="0"/>
-              <a:t>24.08.2023</a:t>
+              <a:t>25.08.2023</a:t>
             </a:fld>
             <a:endParaRPr lang="de-DE"/>
           </a:p>
@@ -985,7 +986,7 @@
           <a:p>
             <a:fld id="{CC70A7CA-8A40-4DA8-8033-3BB71F6F54CD}" type="slidenum">
               <a:rPr lang="de-DE" smtClean="0"/>
-              <a:t>11</a:t>
+              <a:t>12</a:t>
             </a:fld>
             <a:endParaRPr lang="de-DE"/>
           </a:p>
@@ -1175,7 +1176,7 @@
           <a:p>
             <a:fld id="{54F4F25A-280B-48AD-B7B8-05BAB8B72AF9}" type="datetime1">
               <a:rPr lang="de-DE" smtClean="0"/>
-              <a:t>24.08.2023</a:t>
+              <a:t>25.08.2023</a:t>
             </a:fld>
             <a:endParaRPr lang="de-DE"/>
           </a:p>
@@ -1493,7 +1494,7 @@
           <a:p>
             <a:fld id="{7A2BC273-7793-4B58-83B9-897B715A6B65}" type="datetime1">
               <a:rPr lang="de-DE" smtClean="0"/>
-              <a:t>24.08.2023</a:t>
+              <a:t>25.08.2023</a:t>
             </a:fld>
             <a:endParaRPr lang="de-DE"/>
           </a:p>
@@ -1718,7 +1719,7 @@
           <a:p>
             <a:fld id="{96306E31-9C14-4B17-8239-630325395DEF}" type="datetime1">
               <a:rPr lang="de-DE" smtClean="0"/>
-              <a:t>24.08.2023</a:t>
+              <a:t>25.08.2023</a:t>
             </a:fld>
             <a:endParaRPr lang="de-DE"/>
           </a:p>
@@ -2012,7 +2013,7 @@
           <a:p>
             <a:fld id="{4E2A68E7-D889-4A43-AA85-3F75FD767A8E}" type="datetime1">
               <a:rPr lang="de-DE" smtClean="0"/>
-              <a:t>24.08.2023</a:t>
+              <a:t>25.08.2023</a:t>
             </a:fld>
             <a:endParaRPr lang="de-DE"/>
           </a:p>
@@ -2469,7 +2470,7 @@
           <a:p>
             <a:fld id="{A04A8BC3-42D6-4801-A46C-3EF1D350210E}" type="datetime1">
               <a:rPr lang="de-DE" smtClean="0"/>
-              <a:t>24.08.2023</a:t>
+              <a:t>25.08.2023</a:t>
             </a:fld>
             <a:endParaRPr lang="de-DE"/>
           </a:p>
@@ -3048,7 +3049,7 @@
           <a:p>
             <a:fld id="{8F3964FB-FE9F-4390-922E-BC8A153C729E}" type="datetime1">
               <a:rPr lang="de-DE" smtClean="0"/>
-              <a:t>24.08.2023</a:t>
+              <a:t>25.08.2023</a:t>
             </a:fld>
             <a:endParaRPr lang="de-DE"/>
           </a:p>
@@ -3912,7 +3913,7 @@
           <a:p>
             <a:fld id="{5E53F432-BB66-4AE7-AA91-18692C304808}" type="datetime1">
               <a:rPr lang="de-DE" smtClean="0"/>
-              <a:t>24.08.2023</a:t>
+              <a:t>25.08.2023</a:t>
             </a:fld>
             <a:endParaRPr lang="de-DE"/>
           </a:p>
@@ -4120,7 +4121,7 @@
           <a:p>
             <a:fld id="{0C017460-DDC5-4E4C-8910-4DDE24DA9ECF}" type="datetime1">
               <a:rPr lang="de-DE" smtClean="0"/>
-              <a:t>24.08.2023</a:t>
+              <a:t>25.08.2023</a:t>
             </a:fld>
             <a:endParaRPr lang="de-DE"/>
           </a:p>
@@ -4337,7 +4338,7 @@
           <a:p>
             <a:fld id="{A74FBB5C-17B7-4792-89AF-B8A016EE63CE}" type="datetime1">
               <a:rPr lang="de-DE" smtClean="0"/>
-              <a:t>24.08.2023</a:t>
+              <a:t>25.08.2023</a:t>
             </a:fld>
             <a:endParaRPr lang="de-DE"/>
           </a:p>
@@ -4550,7 +4551,7 @@
           <a:p>
             <a:fld id="{8572A4A3-D06D-45F2-A4F4-348ED7350600}" type="datetime1">
               <a:rPr lang="de-DE" smtClean="0"/>
-              <a:t>24.08.2023</a:t>
+              <a:t>25.08.2023</a:t>
             </a:fld>
             <a:endParaRPr lang="de-DE"/>
           </a:p>
@@ -4833,7 +4834,7 @@
           <a:p>
             <a:fld id="{FFFC2A57-C381-4262-8AE3-700CB5F3A682}" type="datetime1">
               <a:rPr lang="de-DE" smtClean="0"/>
-              <a:t>24.08.2023</a:t>
+              <a:t>25.08.2023</a:t>
             </a:fld>
             <a:endParaRPr lang="de-DE"/>
           </a:p>
@@ -5103,7 +5104,7 @@
           <a:p>
             <a:fld id="{DBE15BD0-BA7F-4172-BFD8-DE5FD18B215E}" type="datetime1">
               <a:rPr lang="de-DE" smtClean="0"/>
-              <a:t>24.08.2023</a:t>
+              <a:t>25.08.2023</a:t>
             </a:fld>
             <a:endParaRPr lang="de-DE"/>
           </a:p>
@@ -5521,7 +5522,7 @@
           <a:p>
             <a:fld id="{93E24929-F3C7-4A0C-BFB1-3BF1DF1FFD02}" type="datetime1">
               <a:rPr lang="de-DE" smtClean="0"/>
-              <a:t>24.08.2023</a:t>
+              <a:t>25.08.2023</a:t>
             </a:fld>
             <a:endParaRPr lang="de-DE"/>
           </a:p>
@@ -5672,7 +5673,7 @@
           <a:p>
             <a:fld id="{91D08588-3DAC-44B1-94F1-573C9FD3D023}" type="datetime1">
               <a:rPr lang="de-DE" smtClean="0"/>
-              <a:t>24.08.2023</a:t>
+              <a:t>25.08.2023</a:t>
             </a:fld>
             <a:endParaRPr lang="de-DE"/>
           </a:p>
@@ -5800,7 +5801,7 @@
           <a:p>
             <a:fld id="{07B96FA7-1D37-496A-A4D2-5C746DF1211C}" type="datetime1">
               <a:rPr lang="de-DE" smtClean="0"/>
-              <a:t>24.08.2023</a:t>
+              <a:t>25.08.2023</a:t>
             </a:fld>
             <a:endParaRPr lang="de-DE"/>
           </a:p>
@@ -6082,7 +6083,7 @@
           <a:p>
             <a:fld id="{71FD3FE7-2882-42A7-BB32-5A6367CBDA45}" type="datetime1">
               <a:rPr lang="de-DE" smtClean="0"/>
-              <a:t>24.08.2023</a:t>
+              <a:t>25.08.2023</a:t>
             </a:fld>
             <a:endParaRPr lang="de-DE"/>
           </a:p>
@@ -6400,7 +6401,7 @@
           <a:p>
             <a:fld id="{5F800F1A-B4D2-4D1A-AB12-CAB85F7F8FEC}" type="datetime1">
               <a:rPr lang="de-DE" smtClean="0"/>
-              <a:t>24.08.2023</a:t>
+              <a:t>25.08.2023</a:t>
             </a:fld>
             <a:endParaRPr lang="de-DE"/>
           </a:p>
@@ -6711,7 +6712,7 @@
           <a:p>
             <a:fld id="{38790068-0882-4217-A6C0-4EF73D8B28AE}" type="datetime1">
               <a:rPr lang="de-DE" smtClean="0"/>
-              <a:t>24.08.2023</a:t>
+              <a:t>25.08.2023</a:t>
             </a:fld>
             <a:endParaRPr lang="de-DE"/>
           </a:p>
@@ -7501,7 +7502,7 @@
           <a:p>
             <a:fld id="{33AED3C8-2282-49E1-B2A4-F1731DA77500}" type="datetime1">
               <a:rPr lang="de-DE" smtClean="0"/>
-              <a:t>24.08.2023</a:t>
+              <a:t>25.08.2023</a:t>
             </a:fld>
             <a:endParaRPr lang="de-DE"/>
           </a:p>
@@ -7599,6 +7600,182 @@
           <p:cNvPr id="2" name="Titel 1">
             <a:extLst>
               <a:ext uri="{FF2B5EF4-FFF2-40B4-BE49-F238E27FC236}">
+                <a16:creationId xmlns:a16="http://schemas.microsoft.com/office/drawing/2014/main" id="{48DA5BB7-4F29-4540-ADAD-7FB210F2FA34}"/>
+              </a:ext>
+            </a:extLst>
+          </p:cNvPr>
+          <p:cNvSpPr>
+            <a:spLocks noGrp="1"/>
+          </p:cNvSpPr>
+          <p:nvPr>
+            <p:ph type="title"/>
+          </p:nvPr>
+        </p:nvSpPr>
+        <p:spPr/>
+        <p:txBody>
+          <a:bodyPr/>
+          <a:lstStyle/>
+          <a:p>
+            <a:r>
+              <a:rPr lang="de-DE" dirty="0"/>
+              <a:t>Demonstrationsvideo</a:t>
+            </a:r>
+          </a:p>
+        </p:txBody>
+      </p:sp>
+      <p:sp>
+        <p:nvSpPr>
+          <p:cNvPr id="3" name="Inhaltsplatzhalter 2">
+            <a:extLst>
+              <a:ext uri="{FF2B5EF4-FFF2-40B4-BE49-F238E27FC236}">
+                <a16:creationId xmlns:a16="http://schemas.microsoft.com/office/drawing/2014/main" id="{D0F4209D-B013-4E37-92E9-F65435CAF443}"/>
+              </a:ext>
+            </a:extLst>
+          </p:cNvPr>
+          <p:cNvSpPr>
+            <a:spLocks noGrp="1"/>
+          </p:cNvSpPr>
+          <p:nvPr>
+            <p:ph sz="quarter" idx="13"/>
+          </p:nvPr>
+        </p:nvSpPr>
+        <p:spPr/>
+        <p:txBody>
+          <a:bodyPr/>
+          <a:lstStyle/>
+          <a:p>
+            <a:r>
+              <a:rPr lang="de-DE" dirty="0">
+                <a:solidFill>
+                  <a:srgbClr val="FF0000"/>
+                </a:solidFill>
+              </a:rPr>
+              <a:t>Hier Video einbinden!</a:t>
+            </a:r>
+          </a:p>
+        </p:txBody>
+      </p:sp>
+      <p:sp>
+        <p:nvSpPr>
+          <p:cNvPr id="4" name="Datumsplatzhalter 3">
+            <a:extLst>
+              <a:ext uri="{FF2B5EF4-FFF2-40B4-BE49-F238E27FC236}">
+                <a16:creationId xmlns:a16="http://schemas.microsoft.com/office/drawing/2014/main" id="{EEA43CB3-D57E-40A8-ACC3-EB6F1C488E1C}"/>
+              </a:ext>
+            </a:extLst>
+          </p:cNvPr>
+          <p:cNvSpPr>
+            <a:spLocks noGrp="1"/>
+          </p:cNvSpPr>
+          <p:nvPr>
+            <p:ph type="dt" sz="half" idx="10"/>
+          </p:nvPr>
+        </p:nvSpPr>
+        <p:spPr/>
+        <p:txBody>
+          <a:bodyPr/>
+          <a:lstStyle/>
+          <a:p>
+            <a:fld id="{33AED3C8-2282-49E1-B2A4-F1731DA77500}" type="datetime1">
+              <a:rPr lang="de-DE" smtClean="0"/>
+              <a:t>25.08.2023</a:t>
+            </a:fld>
+            <a:endParaRPr lang="de-DE"/>
+          </a:p>
+        </p:txBody>
+      </p:sp>
+      <p:sp>
+        <p:nvSpPr>
+          <p:cNvPr id="5" name="Fußzeilenplatzhalter 4">
+            <a:extLst>
+              <a:ext uri="{FF2B5EF4-FFF2-40B4-BE49-F238E27FC236}">
+                <a16:creationId xmlns:a16="http://schemas.microsoft.com/office/drawing/2014/main" id="{79ABA254-6B48-4441-971D-6D9F476639AB}"/>
+              </a:ext>
+            </a:extLst>
+          </p:cNvPr>
+          <p:cNvSpPr>
+            <a:spLocks noGrp="1"/>
+          </p:cNvSpPr>
+          <p:nvPr>
+            <p:ph type="ftr" sz="quarter" idx="11"/>
+          </p:nvPr>
+        </p:nvSpPr>
+        <p:spPr/>
+        <p:txBody>
+          <a:bodyPr/>
+          <a:lstStyle/>
+          <a:p>
+            <a:r>
+              <a:rPr lang="de-DE"/>
+              <a:t>Entwicklung eines 2D – „Schiffe versenken“ Spiels zur Simulation einer Seeschlacht von Denis Ojdanic</a:t>
+            </a:r>
+          </a:p>
+        </p:txBody>
+      </p:sp>
+      <p:sp>
+        <p:nvSpPr>
+          <p:cNvPr id="6" name="Foliennummernplatzhalter 5">
+            <a:extLst>
+              <a:ext uri="{FF2B5EF4-FFF2-40B4-BE49-F238E27FC236}">
+                <a16:creationId xmlns:a16="http://schemas.microsoft.com/office/drawing/2014/main" id="{FCB7D4F1-195B-409C-A99B-BA75B6182102}"/>
+              </a:ext>
+            </a:extLst>
+          </p:cNvPr>
+          <p:cNvSpPr>
+            <a:spLocks noGrp="1"/>
+          </p:cNvSpPr>
+          <p:nvPr>
+            <p:ph type="sldNum" sz="quarter" idx="12"/>
+          </p:nvPr>
+        </p:nvSpPr>
+        <p:spPr/>
+        <p:txBody>
+          <a:bodyPr/>
+          <a:lstStyle/>
+          <a:p>
+            <a:fld id="{B6A80B7A-611C-43E0-A68D-9C97C7F7B967}" type="slidenum">
+              <a:rPr lang="de-DE" smtClean="0"/>
+              <a:t>11</a:t>
+            </a:fld>
+            <a:endParaRPr lang="de-DE"/>
+          </a:p>
+        </p:txBody>
+      </p:sp>
+    </p:spTree>
+    <p:extLst>
+      <p:ext uri="{BB962C8B-B14F-4D97-AF65-F5344CB8AC3E}">
+        <p14:creationId xmlns:p14="http://schemas.microsoft.com/office/powerpoint/2010/main" val="2320039887"/>
+      </p:ext>
+    </p:extLst>
+  </p:cSld>
+  <p:clrMapOvr>
+    <a:masterClrMapping/>
+  </p:clrMapOvr>
+</p:sld>
+</file>
+
+<file path=ppt/slides/slide12.xml><?xml version="1.0" encoding="utf-8"?>
+<p:sld xmlns:a="http://schemas.openxmlformats.org/drawingml/2006/main" xmlns:r="http://schemas.openxmlformats.org/officeDocument/2006/relationships" xmlns:p="http://schemas.openxmlformats.org/presentationml/2006/main">
+  <p:cSld>
+    <p:spTree>
+      <p:nvGrpSpPr>
+        <p:cNvPr id="1" name=""/>
+        <p:cNvGrpSpPr/>
+        <p:nvPr/>
+      </p:nvGrpSpPr>
+      <p:grpSpPr>
+        <a:xfrm>
+          <a:off x="0" y="0"/>
+          <a:ext cx="0" cy="0"/>
+          <a:chOff x="0" y="0"/>
+          <a:chExt cx="0" cy="0"/>
+        </a:xfrm>
+      </p:grpSpPr>
+      <p:sp>
+        <p:nvSpPr>
+          <p:cNvPr id="2" name="Titel 1">
+            <a:extLst>
+              <a:ext uri="{FF2B5EF4-FFF2-40B4-BE49-F238E27FC236}">
                 <a16:creationId xmlns:a16="http://schemas.microsoft.com/office/drawing/2014/main" id="{E109229F-60BB-488E-9168-09B1DDE8DA84}"/>
               </a:ext>
             </a:extLst>
@@ -7705,7 +7882,7 @@
           <a:p>
             <a:fld id="{DC2E460A-31D6-4295-8454-487389ED80B2}" type="datetime1">
               <a:rPr lang="de-DE" smtClean="0"/>
-              <a:t>24.08.2023</a:t>
+              <a:t>25.08.2023</a:t>
             </a:fld>
             <a:endParaRPr lang="de-DE"/>
           </a:p>
@@ -7762,7 +7939,7 @@
           <a:p>
             <a:fld id="{B6A80B7A-611C-43E0-A68D-9C97C7F7B967}" type="slidenum">
               <a:rPr lang="de-DE" smtClean="0"/>
-              <a:t>11</a:t>
+              <a:t>12</a:t>
             </a:fld>
             <a:endParaRPr lang="de-DE"/>
           </a:p>
@@ -7923,7 +8100,7 @@
           <a:p>
             <a:fld id="{5A282FE3-3930-47E8-8F00-5F7DDFB2B2FF}" type="datetime1">
               <a:rPr lang="de-DE" smtClean="0"/>
-              <a:t>24.08.2023</a:t>
+              <a:t>25.08.2023</a:t>
             </a:fld>
             <a:endParaRPr lang="de-DE"/>
           </a:p>
@@ -8170,7 +8347,7 @@
           <a:p>
             <a:fld id="{9121658D-93A0-499A-8F0C-A8AFDD89FD51}" type="datetime1">
               <a:rPr lang="de-DE" smtClean="0"/>
-              <a:t>24.08.2023</a:t>
+              <a:t>25.08.2023</a:t>
             </a:fld>
             <a:endParaRPr lang="de-DE" dirty="0"/>
           </a:p>
@@ -8371,7 +8548,7 @@
           <a:p>
             <a:fld id="{022EE025-C144-4848-A13E-DCCBAFF8D0E8}" type="datetime1">
               <a:rPr lang="de-DE" smtClean="0"/>
-              <a:t>24.08.2023</a:t>
+              <a:t>25.08.2023</a:t>
             </a:fld>
             <a:endParaRPr lang="de-DE"/>
           </a:p>
@@ -8592,7 +8769,7 @@
           <a:p>
             <a:fld id="{8572A4A3-D06D-45F2-A4F4-348ED7350600}" type="datetime1">
               <a:rPr lang="de-DE" smtClean="0"/>
-              <a:t>24.08.2023</a:t>
+              <a:t>25.08.2023</a:t>
             </a:fld>
             <a:endParaRPr lang="de-DE"/>
           </a:p>
@@ -8795,7 +8972,7 @@
           <a:p>
             <a:fld id="{8572A4A3-D06D-45F2-A4F4-348ED7350600}" type="datetime1">
               <a:rPr lang="de-DE" smtClean="0"/>
-              <a:t>24.08.2023</a:t>
+              <a:t>25.08.2023</a:t>
             </a:fld>
             <a:endParaRPr lang="de-DE"/>
           </a:p>
@@ -8883,7 +9060,7 @@
         </p:spPr>
         <p:txBody>
           <a:bodyPr vert="horz" lIns="91440" tIns="45720" rIns="91440" bIns="45720" rtlCol="0">
-            <a:normAutofit lnSpcReduction="10000"/>
+            <a:normAutofit/>
           </a:bodyPr>
           <a:lstStyle>
             <a:lvl1pPr marL="228600" indent="-228600" algn="l" defTabSz="914400" rtl="0" eaLnBrk="1" latinLnBrk="0" hangingPunct="1">
@@ -9283,7 +9460,7 @@
           <a:p>
             <a:fld id="{2203D72D-935C-4722-8BA8-B4E10C205C6E}" type="datetime1">
               <a:rPr lang="de-DE" smtClean="0"/>
-              <a:t>24.08.2023</a:t>
+              <a:t>25.08.2023</a:t>
             </a:fld>
             <a:endParaRPr lang="de-DE"/>
           </a:p>
@@ -9452,7 +9629,7 @@
           <a:p>
             <a:fld id="{27D204F4-AB39-4F55-987F-F841512CE6C4}" type="datetime1">
               <a:rPr lang="de-DE" smtClean="0"/>
-              <a:t>24.08.2023</a:t>
+              <a:t>25.08.2023</a:t>
             </a:fld>
             <a:endParaRPr lang="de-DE"/>
           </a:p>
@@ -9648,7 +9825,7 @@
           <a:p>
             <a:fld id="{9697E47E-0263-4A3E-B234-0CDBD5C6DAA3}" type="datetime1">
               <a:rPr lang="de-DE" smtClean="0"/>
-              <a:t>24.08.2023</a:t>
+              <a:t>25.08.2023</a:t>
             </a:fld>
             <a:endParaRPr lang="de-DE"/>
           </a:p>

--- a/Dokumente/Projektpräsentation.pptx
+++ b/Dokumente/Projektpräsentation.pptx
@@ -211,7 +211,7 @@
           <a:p>
             <a:fld id="{ADC25E09-F36A-47D9-8824-C6FCF888BB52}" type="datetimeFigureOut">
               <a:rPr lang="de-DE" smtClean="0"/>
-              <a:t>25.08.2023</a:t>
+              <a:t>28.08.2023</a:t>
             </a:fld>
             <a:endParaRPr lang="de-DE"/>
           </a:p>
@@ -1176,7 +1176,7 @@
           <a:p>
             <a:fld id="{54F4F25A-280B-48AD-B7B8-05BAB8B72AF9}" type="datetime1">
               <a:rPr lang="de-DE" smtClean="0"/>
-              <a:t>25.08.2023</a:t>
+              <a:t>28.08.2023</a:t>
             </a:fld>
             <a:endParaRPr lang="de-DE"/>
           </a:p>
@@ -1494,7 +1494,7 @@
           <a:p>
             <a:fld id="{7A2BC273-7793-4B58-83B9-897B715A6B65}" type="datetime1">
               <a:rPr lang="de-DE" smtClean="0"/>
-              <a:t>25.08.2023</a:t>
+              <a:t>28.08.2023</a:t>
             </a:fld>
             <a:endParaRPr lang="de-DE"/>
           </a:p>
@@ -1719,7 +1719,7 @@
           <a:p>
             <a:fld id="{96306E31-9C14-4B17-8239-630325395DEF}" type="datetime1">
               <a:rPr lang="de-DE" smtClean="0"/>
-              <a:t>25.08.2023</a:t>
+              <a:t>28.08.2023</a:t>
             </a:fld>
             <a:endParaRPr lang="de-DE"/>
           </a:p>
@@ -2013,7 +2013,7 @@
           <a:p>
             <a:fld id="{4E2A68E7-D889-4A43-AA85-3F75FD767A8E}" type="datetime1">
               <a:rPr lang="de-DE" smtClean="0"/>
-              <a:t>25.08.2023</a:t>
+              <a:t>28.08.2023</a:t>
             </a:fld>
             <a:endParaRPr lang="de-DE"/>
           </a:p>
@@ -2470,7 +2470,7 @@
           <a:p>
             <a:fld id="{A04A8BC3-42D6-4801-A46C-3EF1D350210E}" type="datetime1">
               <a:rPr lang="de-DE" smtClean="0"/>
-              <a:t>25.08.2023</a:t>
+              <a:t>28.08.2023</a:t>
             </a:fld>
             <a:endParaRPr lang="de-DE"/>
           </a:p>
@@ -3049,7 +3049,7 @@
           <a:p>
             <a:fld id="{8F3964FB-FE9F-4390-922E-BC8A153C729E}" type="datetime1">
               <a:rPr lang="de-DE" smtClean="0"/>
-              <a:t>25.08.2023</a:t>
+              <a:t>28.08.2023</a:t>
             </a:fld>
             <a:endParaRPr lang="de-DE"/>
           </a:p>
@@ -3913,7 +3913,7 @@
           <a:p>
             <a:fld id="{5E53F432-BB66-4AE7-AA91-18692C304808}" type="datetime1">
               <a:rPr lang="de-DE" smtClean="0"/>
-              <a:t>25.08.2023</a:t>
+              <a:t>28.08.2023</a:t>
             </a:fld>
             <a:endParaRPr lang="de-DE"/>
           </a:p>
@@ -4121,7 +4121,7 @@
           <a:p>
             <a:fld id="{0C017460-DDC5-4E4C-8910-4DDE24DA9ECF}" type="datetime1">
               <a:rPr lang="de-DE" smtClean="0"/>
-              <a:t>25.08.2023</a:t>
+              <a:t>28.08.2023</a:t>
             </a:fld>
             <a:endParaRPr lang="de-DE"/>
           </a:p>
@@ -4338,7 +4338,7 @@
           <a:p>
             <a:fld id="{A74FBB5C-17B7-4792-89AF-B8A016EE63CE}" type="datetime1">
               <a:rPr lang="de-DE" smtClean="0"/>
-              <a:t>25.08.2023</a:t>
+              <a:t>28.08.2023</a:t>
             </a:fld>
             <a:endParaRPr lang="de-DE"/>
           </a:p>
@@ -4551,7 +4551,7 @@
           <a:p>
             <a:fld id="{8572A4A3-D06D-45F2-A4F4-348ED7350600}" type="datetime1">
               <a:rPr lang="de-DE" smtClean="0"/>
-              <a:t>25.08.2023</a:t>
+              <a:t>28.08.2023</a:t>
             </a:fld>
             <a:endParaRPr lang="de-DE"/>
           </a:p>
@@ -4834,7 +4834,7 @@
           <a:p>
             <a:fld id="{FFFC2A57-C381-4262-8AE3-700CB5F3A682}" type="datetime1">
               <a:rPr lang="de-DE" smtClean="0"/>
-              <a:t>25.08.2023</a:t>
+              <a:t>28.08.2023</a:t>
             </a:fld>
             <a:endParaRPr lang="de-DE"/>
           </a:p>
@@ -5104,7 +5104,7 @@
           <a:p>
             <a:fld id="{DBE15BD0-BA7F-4172-BFD8-DE5FD18B215E}" type="datetime1">
               <a:rPr lang="de-DE" smtClean="0"/>
-              <a:t>25.08.2023</a:t>
+              <a:t>28.08.2023</a:t>
             </a:fld>
             <a:endParaRPr lang="de-DE"/>
           </a:p>
@@ -5522,7 +5522,7 @@
           <a:p>
             <a:fld id="{93E24929-F3C7-4A0C-BFB1-3BF1DF1FFD02}" type="datetime1">
               <a:rPr lang="de-DE" smtClean="0"/>
-              <a:t>25.08.2023</a:t>
+              <a:t>28.08.2023</a:t>
             </a:fld>
             <a:endParaRPr lang="de-DE"/>
           </a:p>
@@ -5673,7 +5673,7 @@
           <a:p>
             <a:fld id="{91D08588-3DAC-44B1-94F1-573C9FD3D023}" type="datetime1">
               <a:rPr lang="de-DE" smtClean="0"/>
-              <a:t>25.08.2023</a:t>
+              <a:t>28.08.2023</a:t>
             </a:fld>
             <a:endParaRPr lang="de-DE"/>
           </a:p>
@@ -5801,7 +5801,7 @@
           <a:p>
             <a:fld id="{07B96FA7-1D37-496A-A4D2-5C746DF1211C}" type="datetime1">
               <a:rPr lang="de-DE" smtClean="0"/>
-              <a:t>25.08.2023</a:t>
+              <a:t>28.08.2023</a:t>
             </a:fld>
             <a:endParaRPr lang="de-DE"/>
           </a:p>
@@ -6083,7 +6083,7 @@
           <a:p>
             <a:fld id="{71FD3FE7-2882-42A7-BB32-5A6367CBDA45}" type="datetime1">
               <a:rPr lang="de-DE" smtClean="0"/>
-              <a:t>25.08.2023</a:t>
+              <a:t>28.08.2023</a:t>
             </a:fld>
             <a:endParaRPr lang="de-DE"/>
           </a:p>
@@ -6401,7 +6401,7 @@
           <a:p>
             <a:fld id="{5F800F1A-B4D2-4D1A-AB12-CAB85F7F8FEC}" type="datetime1">
               <a:rPr lang="de-DE" smtClean="0"/>
-              <a:t>25.08.2023</a:t>
+              <a:t>28.08.2023</a:t>
             </a:fld>
             <a:endParaRPr lang="de-DE"/>
           </a:p>
@@ -6712,7 +6712,7 @@
           <a:p>
             <a:fld id="{38790068-0882-4217-A6C0-4EF73D8B28AE}" type="datetime1">
               <a:rPr lang="de-DE" smtClean="0"/>
-              <a:t>25.08.2023</a:t>
+              <a:t>28.08.2023</a:t>
             </a:fld>
             <a:endParaRPr lang="de-DE"/>
           </a:p>
@@ -7502,7 +7502,7 @@
           <a:p>
             <a:fld id="{33AED3C8-2282-49E1-B2A4-F1731DA77500}" type="datetime1">
               <a:rPr lang="de-DE" smtClean="0"/>
-              <a:t>25.08.2023</a:t>
+              <a:t>28.08.2023</a:t>
             </a:fld>
             <a:endParaRPr lang="de-DE"/>
           </a:p>
@@ -7678,7 +7678,7 @@
           <a:p>
             <a:fld id="{33AED3C8-2282-49E1-B2A4-F1731DA77500}" type="datetime1">
               <a:rPr lang="de-DE" smtClean="0"/>
-              <a:t>25.08.2023</a:t>
+              <a:t>28.08.2023</a:t>
             </a:fld>
             <a:endParaRPr lang="de-DE"/>
           </a:p>
@@ -7882,7 +7882,7 @@
           <a:p>
             <a:fld id="{DC2E460A-31D6-4295-8454-487389ED80B2}" type="datetime1">
               <a:rPr lang="de-DE" smtClean="0"/>
-              <a:t>25.08.2023</a:t>
+              <a:t>28.08.2023</a:t>
             </a:fld>
             <a:endParaRPr lang="de-DE"/>
           </a:p>
@@ -8100,7 +8100,7 @@
           <a:p>
             <a:fld id="{5A282FE3-3930-47E8-8F00-5F7DDFB2B2FF}" type="datetime1">
               <a:rPr lang="de-DE" smtClean="0"/>
-              <a:t>25.08.2023</a:t>
+              <a:t>28.08.2023</a:t>
             </a:fld>
             <a:endParaRPr lang="de-DE"/>
           </a:p>
@@ -8347,7 +8347,7 @@
           <a:p>
             <a:fld id="{9121658D-93A0-499A-8F0C-A8AFDD89FD51}" type="datetime1">
               <a:rPr lang="de-DE" smtClean="0"/>
-              <a:t>25.08.2023</a:t>
+              <a:t>28.08.2023</a:t>
             </a:fld>
             <a:endParaRPr lang="de-DE" dirty="0"/>
           </a:p>
@@ -8548,7 +8548,7 @@
           <a:p>
             <a:fld id="{022EE025-C144-4848-A13E-DCCBAFF8D0E8}" type="datetime1">
               <a:rPr lang="de-DE" smtClean="0"/>
-              <a:t>25.08.2023</a:t>
+              <a:t>28.08.2023</a:t>
             </a:fld>
             <a:endParaRPr lang="de-DE"/>
           </a:p>
@@ -8769,7 +8769,7 @@
           <a:p>
             <a:fld id="{8572A4A3-D06D-45F2-A4F4-348ED7350600}" type="datetime1">
               <a:rPr lang="de-DE" smtClean="0"/>
-              <a:t>25.08.2023</a:t>
+              <a:t>28.08.2023</a:t>
             </a:fld>
             <a:endParaRPr lang="de-DE"/>
           </a:p>
@@ -8972,7 +8972,7 @@
           <a:p>
             <a:fld id="{8572A4A3-D06D-45F2-A4F4-348ED7350600}" type="datetime1">
               <a:rPr lang="de-DE" smtClean="0"/>
-              <a:t>25.08.2023</a:t>
+              <a:t>28.08.2023</a:t>
             </a:fld>
             <a:endParaRPr lang="de-DE"/>
           </a:p>
@@ -9432,8 +9432,13 @@
           <a:p>
             <a:r>
               <a:rPr lang="de-DE" dirty="0"/>
-              <a:t>Alle Skizzen rein…</a:t>
-            </a:r>
+              <a:t>Alle Skizzen </a:t>
+            </a:r>
+            <a:r>
+              <a:rPr lang="de-DE"/>
+              <a:t>rein…</a:t>
+            </a:r>
+            <a:endParaRPr lang="de-DE" dirty="0"/>
           </a:p>
         </p:txBody>
       </p:sp>
@@ -9460,7 +9465,7 @@
           <a:p>
             <a:fld id="{2203D72D-935C-4722-8BA8-B4E10C205C6E}" type="datetime1">
               <a:rPr lang="de-DE" smtClean="0"/>
-              <a:t>25.08.2023</a:t>
+              <a:t>28.08.2023</a:t>
             </a:fld>
             <a:endParaRPr lang="de-DE"/>
           </a:p>
@@ -9629,7 +9634,7 @@
           <a:p>
             <a:fld id="{27D204F4-AB39-4F55-987F-F841512CE6C4}" type="datetime1">
               <a:rPr lang="de-DE" smtClean="0"/>
-              <a:t>25.08.2023</a:t>
+              <a:t>28.08.2023</a:t>
             </a:fld>
             <a:endParaRPr lang="de-DE"/>
           </a:p>
@@ -9825,7 +9830,7 @@
           <a:p>
             <a:fld id="{9697E47E-0263-4A3E-B234-0CDBD5C6DAA3}" type="datetime1">
               <a:rPr lang="de-DE" smtClean="0"/>
-              <a:t>25.08.2023</a:t>
+              <a:t>28.08.2023</a:t>
             </a:fld>
             <a:endParaRPr lang="de-DE"/>
           </a:p>
